--- a/1-general/1-presentaciones/direccion-general-edilicia-presentacion-v1.pptx
+++ b/1-general/1-presentaciones/direccion-general-edilicia-presentacion-v1.pptx
@@ -2162,8 +2162,8 @@
 <file path=ppt/diagrams/data2.xml><?xml version="1.0" encoding="utf-8"?>
 <dgm:dataModel xmlns:dgm="http://schemas.openxmlformats.org/drawingml/2006/diagram" xmlns:a="http://schemas.openxmlformats.org/drawingml/2006/main">
   <dgm:ptLst>
-    <dgm:pt modelId="{A7259307-2AD6-4FDB-89AF-EAC216FD5DE1}" type="doc">
-      <dgm:prSet loTypeId="urn:microsoft.com/office/officeart/2005/8/layout/hierarchy4" loCatId="hierarchy" qsTypeId="urn:microsoft.com/office/officeart/2005/8/quickstyle/simple1" qsCatId="simple" csTypeId="urn:microsoft.com/office/officeart/2005/8/colors/colorful5" csCatId="colorful"/>
+    <dgm:pt modelId="{880D5E17-8928-4F3C-A110-9EA0D9B0E42F}" type="doc">
+      <dgm:prSet loTypeId="urn:microsoft.com/office/officeart/2005/8/layout/hierarchy4" loCatId="hierarchy" qsTypeId="urn:microsoft.com/office/officeart/2005/8/quickstyle/simple2" qsCatId="simple" csTypeId="urn:microsoft.com/office/officeart/2005/8/colors/colorful5" csCatId="colorful"/>
       <dgm:spPr/>
       <dgm:t>
         <a:bodyPr/>
@@ -2173,8 +2173,8 @@
         </a:p>
       </dgm:t>
     </dgm:pt>
-    <dgm:pt modelId="{EEB5E0BC-6A3C-4DC7-B66E-7281A5952941}">
-      <dgm:prSet custT="1"/>
+    <dgm:pt modelId="{AEEB6EE5-C93C-487A-9823-241DC145648A}">
+      <dgm:prSet/>
       <dgm:spPr/>
       <dgm:t>
         <a:bodyPr/>
@@ -2182,14 +2182,14 @@
         <a:p>
           <a:pPr rtl="0"/>
           <a:r>
-            <a:rPr lang="es-ES" sz="4400" dirty="0" smtClean="0"/>
+            <a:rPr lang="es-ES" smtClean="0"/>
             <a:t>Dirección General Edilicia</a:t>
           </a:r>
-          <a:endParaRPr lang="es-AR" sz="4400" dirty="0"/>
+          <a:endParaRPr lang="es-AR"/>
         </a:p>
       </dgm:t>
     </dgm:pt>
-    <dgm:pt modelId="{5DD6F1C8-C46A-4D97-A90A-01057D720786}" type="parTrans" cxnId="{A1B973C9-E590-4DD2-9434-007E1FA2DFA9}">
+    <dgm:pt modelId="{68FBF48C-E7D6-4B52-B211-B145411C40B1}" type="parTrans" cxnId="{7AC07CA7-0321-4B8D-A3DC-B95DC9D5B70F}">
       <dgm:prSet/>
       <dgm:spPr/>
       <dgm:t>
@@ -2200,7 +2200,7 @@
         </a:p>
       </dgm:t>
     </dgm:pt>
-    <dgm:pt modelId="{ACA3E4F9-FE0B-4BE7-A6EA-D7B59B4C942E}" type="sibTrans" cxnId="{A1B973C9-E590-4DD2-9434-007E1FA2DFA9}">
+    <dgm:pt modelId="{B8960767-D913-4DE7-A228-B8C28EA7D2EF}" type="sibTrans" cxnId="{7AC07CA7-0321-4B8D-A3DC-B95DC9D5B70F}">
       <dgm:prSet/>
       <dgm:spPr/>
       <dgm:t>
@@ -2211,7 +2211,7 @@
         </a:p>
       </dgm:t>
     </dgm:pt>
-    <dgm:pt modelId="{6B6A2AD9-A59D-4035-B453-06FE01954415}">
+    <dgm:pt modelId="{45E9530E-8CFB-4AF6-80AE-17E23716D79F}">
       <dgm:prSet/>
       <dgm:spPr/>
       <dgm:t>
@@ -2227,7 +2227,7 @@
         </a:p>
       </dgm:t>
     </dgm:pt>
-    <dgm:pt modelId="{B1EFA20C-0605-444A-934A-D0DE7B7787E4}" type="parTrans" cxnId="{517FF5D7-F09E-473F-8CFD-AFDFE4609B9C}">
+    <dgm:pt modelId="{A7364E41-6BC9-4261-ADA5-908D22CC546F}" type="parTrans" cxnId="{BEBB88DE-1FAE-4F52-B4DF-A495DB61178A}">
       <dgm:prSet/>
       <dgm:spPr/>
       <dgm:t>
@@ -2238,7 +2238,7 @@
         </a:p>
       </dgm:t>
     </dgm:pt>
-    <dgm:pt modelId="{E7BC2C71-9F1F-4DDF-AEA3-E5CD335DE7F7}" type="sibTrans" cxnId="{517FF5D7-F09E-473F-8CFD-AFDFE4609B9C}">
+    <dgm:pt modelId="{F9BA8F62-C273-41B3-BE2C-EA95E4AC2B17}" type="sibTrans" cxnId="{BEBB88DE-1FAE-4F52-B4DF-A495DB61178A}">
       <dgm:prSet/>
       <dgm:spPr/>
       <dgm:t>
@@ -2249,7 +2249,7 @@
         </a:p>
       </dgm:t>
     </dgm:pt>
-    <dgm:pt modelId="{26F2DC78-10B0-4FFF-8C01-A619791F94A7}">
+    <dgm:pt modelId="{BC76DE4F-9E0E-427B-BB5D-B71F2C46F931}">
       <dgm:prSet/>
       <dgm:spPr/>
       <dgm:t>
@@ -2265,7 +2265,7 @@
         </a:p>
       </dgm:t>
     </dgm:pt>
-    <dgm:pt modelId="{97FD988B-F9EC-45F3-ABF2-7FA2B74BCF2B}" type="parTrans" cxnId="{6AFFC84F-F926-4C65-AFE8-ED27A736BF78}">
+    <dgm:pt modelId="{BAE44A0B-B3A0-40A0-A607-5A1AF3B24066}" type="parTrans" cxnId="{28E91533-EF85-43D1-918A-261B763F1DFC}">
       <dgm:prSet/>
       <dgm:spPr/>
       <dgm:t>
@@ -2276,7 +2276,7 @@
         </a:p>
       </dgm:t>
     </dgm:pt>
-    <dgm:pt modelId="{51969A98-6F09-43BB-90FB-77AFFBEA6E8D}" type="sibTrans" cxnId="{6AFFC84F-F926-4C65-AFE8-ED27A736BF78}">
+    <dgm:pt modelId="{E8FE3349-122E-4324-902E-B98D92F3691A}" type="sibTrans" cxnId="{28E91533-EF85-43D1-918A-261B763F1DFC}">
       <dgm:prSet/>
       <dgm:spPr/>
       <dgm:t>
@@ -2287,7 +2287,7 @@
         </a:p>
       </dgm:t>
     </dgm:pt>
-    <dgm:pt modelId="{6550AD85-820E-4679-9434-910C6B7293DD}">
+    <dgm:pt modelId="{C20CCEF3-9E98-4CE4-84A9-9EE576432FAC}">
       <dgm:prSet/>
       <dgm:spPr/>
       <dgm:t>
@@ -2303,7 +2303,7 @@
         </a:p>
       </dgm:t>
     </dgm:pt>
-    <dgm:pt modelId="{8CED074F-B85A-496B-BDCB-0560B081D138}" type="parTrans" cxnId="{8BFD2164-89A9-489A-9488-6E9CE2CD9CA0}">
+    <dgm:pt modelId="{02DB8A1D-0688-4424-B586-7BE756AC0531}" type="parTrans" cxnId="{36D79255-3AC1-4883-9DF3-AAFF27B165F3}">
       <dgm:prSet/>
       <dgm:spPr/>
       <dgm:t>
@@ -2314,7 +2314,7 @@
         </a:p>
       </dgm:t>
     </dgm:pt>
-    <dgm:pt modelId="{C86692BF-F222-41D7-BF36-DC1976E36343}" type="sibTrans" cxnId="{8BFD2164-89A9-489A-9488-6E9CE2CD9CA0}">
+    <dgm:pt modelId="{3F908731-DAEE-471A-8D42-19A16594A2D5}" type="sibTrans" cxnId="{36D79255-3AC1-4883-9DF3-AAFF27B165F3}">
       <dgm:prSet/>
       <dgm:spPr/>
       <dgm:t>
@@ -2325,7 +2325,7 @@
         </a:p>
       </dgm:t>
     </dgm:pt>
-    <dgm:pt modelId="{C771232A-9507-4C64-9D9A-BABD33FA04C2}">
+    <dgm:pt modelId="{1AD18316-FD8B-4EAD-B167-8A6F619A2EC5}">
       <dgm:prSet/>
       <dgm:spPr/>
       <dgm:t>
@@ -2341,7 +2341,7 @@
         </a:p>
       </dgm:t>
     </dgm:pt>
-    <dgm:pt modelId="{EAFEA8F5-F38E-4291-BAF5-01FBEE45C43C}" type="parTrans" cxnId="{B477399D-C1B3-4106-B8CA-290F7DE876AB}">
+    <dgm:pt modelId="{AC1A78BD-76D4-40D2-B5F0-BC5FB25FFFC9}" type="parTrans" cxnId="{3A36622C-A178-412D-9F7D-35148B438F17}">
       <dgm:prSet/>
       <dgm:spPr/>
       <dgm:t>
@@ -2352,7 +2352,7 @@
         </a:p>
       </dgm:t>
     </dgm:pt>
-    <dgm:pt modelId="{2E6ADF51-57AB-4FFD-8EB7-05B1EF2A7C3C}" type="sibTrans" cxnId="{B477399D-C1B3-4106-B8CA-290F7DE876AB}">
+    <dgm:pt modelId="{58797941-82D1-44D4-8A92-A167479CD363}" type="sibTrans" cxnId="{3A36622C-A178-412D-9F7D-35148B438F17}">
       <dgm:prSet/>
       <dgm:spPr/>
       <dgm:t>
@@ -2363,7 +2363,45 @@
         </a:p>
       </dgm:t>
     </dgm:pt>
-    <dgm:pt modelId="{E63933ED-54A9-4BFD-AFA7-A25C8F2C4211}">
+    <dgm:pt modelId="{A8438FF9-1814-4FE9-BE0E-8EC5B33D78FA}">
+      <dgm:prSet/>
+      <dgm:spPr/>
+      <dgm:t>
+        <a:bodyPr/>
+        <a:lstStyle/>
+        <a:p>
+          <a:pPr rtl="0"/>
+          <a:r>
+            <a:rPr lang="es-ES" smtClean="0"/>
+            <a:t>Seguridad</a:t>
+          </a:r>
+          <a:endParaRPr lang="es-AR"/>
+        </a:p>
+      </dgm:t>
+    </dgm:pt>
+    <dgm:pt modelId="{7DB20EB8-9844-4477-BB26-6064E7BAA7DE}" type="parTrans" cxnId="{8D4CAD3A-0F05-44F1-889A-14A05A808C7E}">
+      <dgm:prSet/>
+      <dgm:spPr/>
+      <dgm:t>
+        <a:bodyPr/>
+        <a:lstStyle/>
+        <a:p>
+          <a:endParaRPr lang="es-AR"/>
+        </a:p>
+      </dgm:t>
+    </dgm:pt>
+    <dgm:pt modelId="{6A66D4D7-6ED6-4E80-B42D-7405220482F2}" type="sibTrans" cxnId="{8D4CAD3A-0F05-44F1-889A-14A05A808C7E}">
+      <dgm:prSet/>
+      <dgm:spPr/>
+      <dgm:t>
+        <a:bodyPr/>
+        <a:lstStyle/>
+        <a:p>
+          <a:endParaRPr lang="es-AR"/>
+        </a:p>
+      </dgm:t>
+    </dgm:pt>
+    <dgm:pt modelId="{C45E45D9-9D8B-417F-B9BD-A7D820C05A39}">
       <dgm:prSet/>
       <dgm:spPr/>
       <dgm:t>
@@ -2379,7 +2417,7 @@
         </a:p>
       </dgm:t>
     </dgm:pt>
-    <dgm:pt modelId="{EE386440-A460-493F-B84C-ECA58D7D0913}" type="parTrans" cxnId="{8774A3EF-29B3-4499-96D3-F0E50903F757}">
+    <dgm:pt modelId="{1A93516A-7CB4-40A6-A3F5-B0B00A76597A}" type="parTrans" cxnId="{D9528332-7CE5-45EE-82C2-6C701422B0B1}">
       <dgm:prSet/>
       <dgm:spPr/>
       <dgm:t>
@@ -2390,7 +2428,7 @@
         </a:p>
       </dgm:t>
     </dgm:pt>
-    <dgm:pt modelId="{0A00B3FC-0CBB-4EA3-85F9-9CE664A9B065}" type="sibTrans" cxnId="{8774A3EF-29B3-4499-96D3-F0E50903F757}">
+    <dgm:pt modelId="{B2C3D5AB-E4C7-4FEF-BFC8-3E9EFA98C1B5}" type="sibTrans" cxnId="{D9528332-7CE5-45EE-82C2-6C701422B0B1}">
       <dgm:prSet/>
       <dgm:spPr/>
       <dgm:t>
@@ -2401,7 +2439,7 @@
         </a:p>
       </dgm:t>
     </dgm:pt>
-    <dgm:pt modelId="{259F7C35-6F23-46A9-9A11-7C3C71A94E4C}">
+    <dgm:pt modelId="{CF01C897-E6DA-407B-9277-81257A63BCA0}">
       <dgm:prSet/>
       <dgm:spPr/>
       <dgm:t>
@@ -2417,7 +2455,7 @@
         </a:p>
       </dgm:t>
     </dgm:pt>
-    <dgm:pt modelId="{20D96418-E147-42C2-BAF7-CD41553F77DB}" type="parTrans" cxnId="{878EE2EC-4B0F-4B7A-AF78-7A662960C570}">
+    <dgm:pt modelId="{BD998917-8EFC-427D-873C-A23C2AE66F02}" type="parTrans" cxnId="{78510263-C12A-4876-9030-DC697DEA4E12}">
       <dgm:prSet/>
       <dgm:spPr/>
       <dgm:t>
@@ -2428,7 +2466,7 @@
         </a:p>
       </dgm:t>
     </dgm:pt>
-    <dgm:pt modelId="{4CB08C9D-33DA-4229-BE88-0B35989753A8}" type="sibTrans" cxnId="{878EE2EC-4B0F-4B7A-AF78-7A662960C570}">
+    <dgm:pt modelId="{33E15CA0-4804-4B02-B7A6-9F400488C20B}" type="sibTrans" cxnId="{78510263-C12A-4876-9030-DC697DEA4E12}">
       <dgm:prSet/>
       <dgm:spPr/>
       <dgm:t>
@@ -2439,8 +2477,8 @@
         </a:p>
       </dgm:t>
     </dgm:pt>
-    <dgm:pt modelId="{67AB93B3-809B-4A23-B9D9-4F2D36F96859}" type="pres">
-      <dgm:prSet presAssocID="{A7259307-2AD6-4FDB-89AF-EAC216FD5DE1}" presName="Name0" presStyleCnt="0">
+    <dgm:pt modelId="{BE370E80-03AC-4C55-B359-7A4EB3C36ACB}" type="pres">
+      <dgm:prSet presAssocID="{880D5E17-8928-4F3C-A110-9EA0D9B0E42F}" presName="Name0" presStyleCnt="0">
         <dgm:presLayoutVars>
           <dgm:chPref val="1"/>
           <dgm:dir/>
@@ -2450,243 +2488,213 @@
         </dgm:presLayoutVars>
       </dgm:prSet>
       <dgm:spPr/>
-      <dgm:t>
-        <a:bodyPr/>
-        <a:lstStyle/>
-        <a:p>
-          <a:endParaRPr lang="es-AR"/>
-        </a:p>
-      </dgm:t>
     </dgm:pt>
-    <dgm:pt modelId="{80EA3D35-3572-4D9B-8DB3-3179F22DF07F}" type="pres">
-      <dgm:prSet presAssocID="{EEB5E0BC-6A3C-4DC7-B66E-7281A5952941}" presName="vertOne" presStyleCnt="0"/>
+    <dgm:pt modelId="{AE214A4E-B716-40C0-AF6D-A24E766D1392}" type="pres">
+      <dgm:prSet presAssocID="{AEEB6EE5-C93C-487A-9823-241DC145648A}" presName="vertOne" presStyleCnt="0"/>
       <dgm:spPr/>
     </dgm:pt>
-    <dgm:pt modelId="{A407E9D9-9AAE-426B-B5EC-A82BACC7950C}" type="pres">
-      <dgm:prSet presAssocID="{EEB5E0BC-6A3C-4DC7-B66E-7281A5952941}" presName="txOne" presStyleLbl="node0" presStyleIdx="0" presStyleCnt="1">
+    <dgm:pt modelId="{AE7FB80F-76A2-4C12-BADF-C42D7AF09DEA}" type="pres">
+      <dgm:prSet presAssocID="{AEEB6EE5-C93C-487A-9823-241DC145648A}" presName="txOne" presStyleLbl="node0" presStyleIdx="0" presStyleCnt="1">
         <dgm:presLayoutVars>
           <dgm:chPref val="3"/>
         </dgm:presLayoutVars>
       </dgm:prSet>
       <dgm:spPr/>
-      <dgm:t>
-        <a:bodyPr/>
-        <a:lstStyle/>
-        <a:p>
-          <a:endParaRPr lang="es-AR"/>
-        </a:p>
-      </dgm:t>
     </dgm:pt>
-    <dgm:pt modelId="{AD7478A8-84CA-4FEC-A938-95601466C799}" type="pres">
-      <dgm:prSet presAssocID="{EEB5E0BC-6A3C-4DC7-B66E-7281A5952941}" presName="parTransOne" presStyleCnt="0"/>
+    <dgm:pt modelId="{44CE0C6E-753D-4D67-BFF6-A0E9CA7AC8E1}" type="pres">
+      <dgm:prSet presAssocID="{AEEB6EE5-C93C-487A-9823-241DC145648A}" presName="parTransOne" presStyleCnt="0"/>
       <dgm:spPr/>
     </dgm:pt>
-    <dgm:pt modelId="{C95528B6-AAA4-49C4-99AF-50406F1C7E60}" type="pres">
-      <dgm:prSet presAssocID="{EEB5E0BC-6A3C-4DC7-B66E-7281A5952941}" presName="horzOne" presStyleCnt="0"/>
+    <dgm:pt modelId="{BD6F6CB4-6317-429E-A81F-4B46B5C13895}" type="pres">
+      <dgm:prSet presAssocID="{AEEB6EE5-C93C-487A-9823-241DC145648A}" presName="horzOne" presStyleCnt="0"/>
       <dgm:spPr/>
     </dgm:pt>
-    <dgm:pt modelId="{0F84686F-E52C-44A4-88DA-F75EDA6CF2B0}" type="pres">
-      <dgm:prSet presAssocID="{6B6A2AD9-A59D-4035-B453-06FE01954415}" presName="vertTwo" presStyleCnt="0"/>
+    <dgm:pt modelId="{6147E699-1062-49A7-A712-68E94C8C2639}" type="pres">
+      <dgm:prSet presAssocID="{45E9530E-8CFB-4AF6-80AE-17E23716D79F}" presName="vertTwo" presStyleCnt="0"/>
       <dgm:spPr/>
     </dgm:pt>
-    <dgm:pt modelId="{6958F84C-4F2B-4411-AC66-D812C38CF059}" type="pres">
-      <dgm:prSet presAssocID="{6B6A2AD9-A59D-4035-B453-06FE01954415}" presName="txTwo" presStyleLbl="node2" presStyleIdx="0" presStyleCnt="4">
+    <dgm:pt modelId="{9E481FB9-FCCC-462D-B9DB-6CCD16968E5A}" type="pres">
+      <dgm:prSet presAssocID="{45E9530E-8CFB-4AF6-80AE-17E23716D79F}" presName="txTwo" presStyleLbl="node2" presStyleIdx="0" presStyleCnt="5">
         <dgm:presLayoutVars>
           <dgm:chPref val="3"/>
         </dgm:presLayoutVars>
       </dgm:prSet>
       <dgm:spPr/>
-      <dgm:t>
-        <a:bodyPr/>
-        <a:lstStyle/>
-        <a:p>
-          <a:endParaRPr lang="es-AR"/>
-        </a:p>
-      </dgm:t>
     </dgm:pt>
-    <dgm:pt modelId="{ABA7474A-BFC7-41D6-A6CA-1E0603CACE64}" type="pres">
-      <dgm:prSet presAssocID="{6B6A2AD9-A59D-4035-B453-06FE01954415}" presName="parTransTwo" presStyleCnt="0"/>
+    <dgm:pt modelId="{9CABE846-1A4A-4694-A58A-0C58E0E49691}" type="pres">
+      <dgm:prSet presAssocID="{45E9530E-8CFB-4AF6-80AE-17E23716D79F}" presName="parTransTwo" presStyleCnt="0"/>
       <dgm:spPr/>
     </dgm:pt>
-    <dgm:pt modelId="{62426760-753B-454E-A3CA-C9EC8159A246}" type="pres">
-      <dgm:prSet presAssocID="{6B6A2AD9-A59D-4035-B453-06FE01954415}" presName="horzTwo" presStyleCnt="0"/>
+    <dgm:pt modelId="{FE83B89C-9BD4-4889-A7BF-69388D6480A1}" type="pres">
+      <dgm:prSet presAssocID="{45E9530E-8CFB-4AF6-80AE-17E23716D79F}" presName="horzTwo" presStyleCnt="0"/>
       <dgm:spPr/>
     </dgm:pt>
-    <dgm:pt modelId="{87D9B110-B6A5-4737-865E-6786F5094C4E}" type="pres">
-      <dgm:prSet presAssocID="{26F2DC78-10B0-4FFF-8C01-A619791F94A7}" presName="vertThree" presStyleCnt="0"/>
+    <dgm:pt modelId="{EE242AD0-319A-4818-A050-0B68E79A6E7D}" type="pres">
+      <dgm:prSet presAssocID="{BC76DE4F-9E0E-427B-BB5D-B71F2C46F931}" presName="vertThree" presStyleCnt="0"/>
       <dgm:spPr/>
     </dgm:pt>
-    <dgm:pt modelId="{2CE65DF0-1B7F-4891-B6C5-E890399B5770}" type="pres">
-      <dgm:prSet presAssocID="{26F2DC78-10B0-4FFF-8C01-A619791F94A7}" presName="txThree" presStyleLbl="node3" presStyleIdx="0" presStyleCnt="2">
+    <dgm:pt modelId="{34021D49-8E6C-47B9-99C6-8EBBE1C9A2C7}" type="pres">
+      <dgm:prSet presAssocID="{BC76DE4F-9E0E-427B-BB5D-B71F2C46F931}" presName="txThree" presStyleLbl="node3" presStyleIdx="0" presStyleCnt="2">
         <dgm:presLayoutVars>
           <dgm:chPref val="3"/>
         </dgm:presLayoutVars>
       </dgm:prSet>
       <dgm:spPr/>
-      <dgm:t>
-        <a:bodyPr/>
-        <a:lstStyle/>
-        <a:p>
-          <a:endParaRPr lang="es-AR"/>
-        </a:p>
-      </dgm:t>
     </dgm:pt>
-    <dgm:pt modelId="{C3AAE374-B7B4-414B-9FEA-C2685FC6C60C}" type="pres">
-      <dgm:prSet presAssocID="{26F2DC78-10B0-4FFF-8C01-A619791F94A7}" presName="horzThree" presStyleCnt="0"/>
+    <dgm:pt modelId="{3F98236E-4945-40C2-B025-7CDC99C3681A}" type="pres">
+      <dgm:prSet presAssocID="{BC76DE4F-9E0E-427B-BB5D-B71F2C46F931}" presName="horzThree" presStyleCnt="0"/>
       <dgm:spPr/>
     </dgm:pt>
-    <dgm:pt modelId="{5E6FEDD3-CA5D-4628-A6F4-82FC8640EE1D}" type="pres">
-      <dgm:prSet presAssocID="{51969A98-6F09-43BB-90FB-77AFFBEA6E8D}" presName="sibSpaceThree" presStyleCnt="0"/>
+    <dgm:pt modelId="{15B30173-DDB4-4DE8-89BA-1E994996397D}" type="pres">
+      <dgm:prSet presAssocID="{E8FE3349-122E-4324-902E-B98D92F3691A}" presName="sibSpaceThree" presStyleCnt="0"/>
       <dgm:spPr/>
     </dgm:pt>
-    <dgm:pt modelId="{AB8C84F6-217A-441E-A328-DAA739821932}" type="pres">
-      <dgm:prSet presAssocID="{6550AD85-820E-4679-9434-910C6B7293DD}" presName="vertThree" presStyleCnt="0"/>
+    <dgm:pt modelId="{B0B5FF1F-A299-4769-AD81-84CE771EA515}" type="pres">
+      <dgm:prSet presAssocID="{C20CCEF3-9E98-4CE4-84A9-9EE576432FAC}" presName="vertThree" presStyleCnt="0"/>
       <dgm:spPr/>
     </dgm:pt>
-    <dgm:pt modelId="{DE7EBDCC-ADEE-4873-AA4E-6A35B5105D0B}" type="pres">
-      <dgm:prSet presAssocID="{6550AD85-820E-4679-9434-910C6B7293DD}" presName="txThree" presStyleLbl="node3" presStyleIdx="1" presStyleCnt="2">
+    <dgm:pt modelId="{C7A51AC4-5E8F-47DB-9138-66D7F896DD07}" type="pres">
+      <dgm:prSet presAssocID="{C20CCEF3-9E98-4CE4-84A9-9EE576432FAC}" presName="txThree" presStyleLbl="node3" presStyleIdx="1" presStyleCnt="2">
         <dgm:presLayoutVars>
           <dgm:chPref val="3"/>
         </dgm:presLayoutVars>
       </dgm:prSet>
       <dgm:spPr/>
-      <dgm:t>
-        <a:bodyPr/>
-        <a:lstStyle/>
-        <a:p>
-          <a:endParaRPr lang="es-AR"/>
-        </a:p>
-      </dgm:t>
     </dgm:pt>
-    <dgm:pt modelId="{3D9D425A-C068-47BE-BC3E-0F3A19BD7454}" type="pres">
-      <dgm:prSet presAssocID="{6550AD85-820E-4679-9434-910C6B7293DD}" presName="horzThree" presStyleCnt="0"/>
+    <dgm:pt modelId="{E30FDF3E-F961-4D47-92D7-46A7C9BFBDA8}" type="pres">
+      <dgm:prSet presAssocID="{C20CCEF3-9E98-4CE4-84A9-9EE576432FAC}" presName="horzThree" presStyleCnt="0"/>
       <dgm:spPr/>
     </dgm:pt>
-    <dgm:pt modelId="{D4B8DBAF-0851-4114-BE6E-CE1C9D1E2697}" type="pres">
-      <dgm:prSet presAssocID="{E7BC2C71-9F1F-4DDF-AEA3-E5CD335DE7F7}" presName="sibSpaceTwo" presStyleCnt="0"/>
+    <dgm:pt modelId="{24D33B86-70F9-43E2-AB75-678A0694FAAD}" type="pres">
+      <dgm:prSet presAssocID="{F9BA8F62-C273-41B3-BE2C-EA95E4AC2B17}" presName="sibSpaceTwo" presStyleCnt="0"/>
       <dgm:spPr/>
     </dgm:pt>
-    <dgm:pt modelId="{627CEF37-D197-4B9E-B90E-CA8FB1EBCC14}" type="pres">
-      <dgm:prSet presAssocID="{C771232A-9507-4C64-9D9A-BABD33FA04C2}" presName="vertTwo" presStyleCnt="0"/>
+    <dgm:pt modelId="{EEE6B659-0601-4A02-B2A9-30DADBE291A3}" type="pres">
+      <dgm:prSet presAssocID="{1AD18316-FD8B-4EAD-B167-8A6F619A2EC5}" presName="vertTwo" presStyleCnt="0"/>
       <dgm:spPr/>
     </dgm:pt>
-    <dgm:pt modelId="{02545288-0820-4CA5-A668-DE9D2A312D04}" type="pres">
-      <dgm:prSet presAssocID="{C771232A-9507-4C64-9D9A-BABD33FA04C2}" presName="txTwo" presStyleLbl="node2" presStyleIdx="1" presStyleCnt="4">
+    <dgm:pt modelId="{1688CDE6-1AC2-4FC2-AF9D-5B678767FB20}" type="pres">
+      <dgm:prSet presAssocID="{1AD18316-FD8B-4EAD-B167-8A6F619A2EC5}" presName="txTwo" presStyleLbl="node2" presStyleIdx="1" presStyleCnt="5">
         <dgm:presLayoutVars>
           <dgm:chPref val="3"/>
         </dgm:presLayoutVars>
       </dgm:prSet>
       <dgm:spPr/>
-      <dgm:t>
-        <a:bodyPr/>
-        <a:lstStyle/>
-        <a:p>
-          <a:endParaRPr lang="es-AR"/>
-        </a:p>
-      </dgm:t>
     </dgm:pt>
-    <dgm:pt modelId="{F6C2E314-7D46-486F-AF0B-4DB5C0FBB160}" type="pres">
-      <dgm:prSet presAssocID="{C771232A-9507-4C64-9D9A-BABD33FA04C2}" presName="horzTwo" presStyleCnt="0"/>
+    <dgm:pt modelId="{2F8C02FD-4B3F-457E-9AFF-17F05B07728F}" type="pres">
+      <dgm:prSet presAssocID="{1AD18316-FD8B-4EAD-B167-8A6F619A2EC5}" presName="horzTwo" presStyleCnt="0"/>
       <dgm:spPr/>
     </dgm:pt>
-    <dgm:pt modelId="{842426DD-0AEC-400E-9930-E74460AFFC27}" type="pres">
-      <dgm:prSet presAssocID="{2E6ADF51-57AB-4FFD-8EB7-05B1EF2A7C3C}" presName="sibSpaceTwo" presStyleCnt="0"/>
+    <dgm:pt modelId="{3C4948A1-7C25-496F-904B-953CFE00278E}" type="pres">
+      <dgm:prSet presAssocID="{58797941-82D1-44D4-8A92-A167479CD363}" presName="sibSpaceTwo" presStyleCnt="0"/>
       <dgm:spPr/>
     </dgm:pt>
-    <dgm:pt modelId="{64186575-193B-485A-9AB2-23DBF86E656B}" type="pres">
-      <dgm:prSet presAssocID="{E63933ED-54A9-4BFD-AFA7-A25C8F2C4211}" presName="vertTwo" presStyleCnt="0"/>
+    <dgm:pt modelId="{1C54BC92-1B25-4A6D-BFD6-EB0402F891EC}" type="pres">
+      <dgm:prSet presAssocID="{A8438FF9-1814-4FE9-BE0E-8EC5B33D78FA}" presName="vertTwo" presStyleCnt="0"/>
       <dgm:spPr/>
     </dgm:pt>
-    <dgm:pt modelId="{13771A08-EE05-4B62-8A90-814BC71FA85A}" type="pres">
-      <dgm:prSet presAssocID="{E63933ED-54A9-4BFD-AFA7-A25C8F2C4211}" presName="txTwo" presStyleLbl="node2" presStyleIdx="2" presStyleCnt="4">
+    <dgm:pt modelId="{567D7E6B-7196-4F45-A0FA-CB266D8EFEE5}" type="pres">
+      <dgm:prSet presAssocID="{A8438FF9-1814-4FE9-BE0E-8EC5B33D78FA}" presName="txTwo" presStyleLbl="node2" presStyleIdx="2" presStyleCnt="5">
         <dgm:presLayoutVars>
           <dgm:chPref val="3"/>
         </dgm:presLayoutVars>
       </dgm:prSet>
       <dgm:spPr/>
-      <dgm:t>
-        <a:bodyPr/>
-        <a:lstStyle/>
-        <a:p>
-          <a:endParaRPr lang="es-AR"/>
-        </a:p>
-      </dgm:t>
     </dgm:pt>
-    <dgm:pt modelId="{184D34ED-B28F-4621-B4A8-CA27531A5755}" type="pres">
-      <dgm:prSet presAssocID="{E63933ED-54A9-4BFD-AFA7-A25C8F2C4211}" presName="horzTwo" presStyleCnt="0"/>
+    <dgm:pt modelId="{CDEE82FF-9403-4B84-AB3D-A56FF31DDCD2}" type="pres">
+      <dgm:prSet presAssocID="{A8438FF9-1814-4FE9-BE0E-8EC5B33D78FA}" presName="horzTwo" presStyleCnt="0"/>
       <dgm:spPr/>
     </dgm:pt>
-    <dgm:pt modelId="{74518572-62D3-4B53-87EF-ACC6B5ECF2F4}" type="pres">
-      <dgm:prSet presAssocID="{0A00B3FC-0CBB-4EA3-85F9-9CE664A9B065}" presName="sibSpaceTwo" presStyleCnt="0"/>
+    <dgm:pt modelId="{AF6A22F9-0F6B-474E-90EA-FA09D9E2E8BB}" type="pres">
+      <dgm:prSet presAssocID="{6A66D4D7-6ED6-4E80-B42D-7405220482F2}" presName="sibSpaceTwo" presStyleCnt="0"/>
       <dgm:spPr/>
     </dgm:pt>
-    <dgm:pt modelId="{C0D3AA7F-51C9-441F-BD52-D59EACB3E1B6}" type="pres">
-      <dgm:prSet presAssocID="{259F7C35-6F23-46A9-9A11-7C3C71A94E4C}" presName="vertTwo" presStyleCnt="0"/>
+    <dgm:pt modelId="{B8DD9903-8F0D-43EA-A33E-40299BF6B5CC}" type="pres">
+      <dgm:prSet presAssocID="{C45E45D9-9D8B-417F-B9BD-A7D820C05A39}" presName="vertTwo" presStyleCnt="0"/>
       <dgm:spPr/>
     </dgm:pt>
-    <dgm:pt modelId="{F4C5E98E-1F07-49F2-8F1E-214B904109A8}" type="pres">
-      <dgm:prSet presAssocID="{259F7C35-6F23-46A9-9A11-7C3C71A94E4C}" presName="txTwo" presStyleLbl="node2" presStyleIdx="3" presStyleCnt="4">
+    <dgm:pt modelId="{417238FE-499D-498B-A36E-8268CC7FAEDE}" type="pres">
+      <dgm:prSet presAssocID="{C45E45D9-9D8B-417F-B9BD-A7D820C05A39}" presName="txTwo" presStyleLbl="node2" presStyleIdx="3" presStyleCnt="5">
         <dgm:presLayoutVars>
           <dgm:chPref val="3"/>
         </dgm:presLayoutVars>
       </dgm:prSet>
       <dgm:spPr/>
-      <dgm:t>
-        <a:bodyPr/>
-        <a:lstStyle/>
-        <a:p>
-          <a:endParaRPr lang="es-AR"/>
-        </a:p>
-      </dgm:t>
     </dgm:pt>
-    <dgm:pt modelId="{C8A00D7A-EA26-4998-B23B-FD7DFF62C28E}" type="pres">
-      <dgm:prSet presAssocID="{259F7C35-6F23-46A9-9A11-7C3C71A94E4C}" presName="horzTwo" presStyleCnt="0"/>
+    <dgm:pt modelId="{3B37B819-08C5-4AA4-8B99-9C638F9ED5CD}" type="pres">
+      <dgm:prSet presAssocID="{C45E45D9-9D8B-417F-B9BD-A7D820C05A39}" presName="horzTwo" presStyleCnt="0"/>
+      <dgm:spPr/>
+    </dgm:pt>
+    <dgm:pt modelId="{6DF92515-BFAF-45F6-B209-8CFCD5B38A07}" type="pres">
+      <dgm:prSet presAssocID="{B2C3D5AB-E4C7-4FEF-BFC8-3E9EFA98C1B5}" presName="sibSpaceTwo" presStyleCnt="0"/>
+      <dgm:spPr/>
+    </dgm:pt>
+    <dgm:pt modelId="{9CD75C9B-527E-4EFF-866A-9C216FBC582C}" type="pres">
+      <dgm:prSet presAssocID="{CF01C897-E6DA-407B-9277-81257A63BCA0}" presName="vertTwo" presStyleCnt="0"/>
+      <dgm:spPr/>
+    </dgm:pt>
+    <dgm:pt modelId="{6949F036-8C0B-4033-96A0-29D94C8FF386}" type="pres">
+      <dgm:prSet presAssocID="{CF01C897-E6DA-407B-9277-81257A63BCA0}" presName="txTwo" presStyleLbl="node2" presStyleIdx="4" presStyleCnt="5">
+        <dgm:presLayoutVars>
+          <dgm:chPref val="3"/>
+        </dgm:presLayoutVars>
+      </dgm:prSet>
+      <dgm:spPr/>
+    </dgm:pt>
+    <dgm:pt modelId="{3EC53CA5-45C3-46DA-AC8F-8FBB1AF68A69}" type="pres">
+      <dgm:prSet presAssocID="{CF01C897-E6DA-407B-9277-81257A63BCA0}" presName="horzTwo" presStyleCnt="0"/>
       <dgm:spPr/>
     </dgm:pt>
   </dgm:ptLst>
   <dgm:cxnLst>
-    <dgm:cxn modelId="{ED445359-BEF3-4411-BE0F-C7E1297F8102}" type="presOf" srcId="{EEB5E0BC-6A3C-4DC7-B66E-7281A5952941}" destId="{A407E9D9-9AAE-426B-B5EC-A82BACC7950C}" srcOrd="0" destOrd="0" presId="urn:microsoft.com/office/officeart/2005/8/layout/hierarchy4"/>
-    <dgm:cxn modelId="{B8B5871A-6F9E-405F-A99D-1632648FCFA3}" type="presOf" srcId="{C771232A-9507-4C64-9D9A-BABD33FA04C2}" destId="{02545288-0820-4CA5-A668-DE9D2A312D04}" srcOrd="0" destOrd="0" presId="urn:microsoft.com/office/officeart/2005/8/layout/hierarchy4"/>
-    <dgm:cxn modelId="{A38BE63F-807F-4311-8CD6-47EE658CCCAB}" type="presOf" srcId="{6550AD85-820E-4679-9434-910C6B7293DD}" destId="{DE7EBDCC-ADEE-4873-AA4E-6A35B5105D0B}" srcOrd="0" destOrd="0" presId="urn:microsoft.com/office/officeart/2005/8/layout/hierarchy4"/>
-    <dgm:cxn modelId="{20FF07DB-F3DD-401A-A117-F8B497450E0E}" type="presOf" srcId="{26F2DC78-10B0-4FFF-8C01-A619791F94A7}" destId="{2CE65DF0-1B7F-4891-B6C5-E890399B5770}" srcOrd="0" destOrd="0" presId="urn:microsoft.com/office/officeart/2005/8/layout/hierarchy4"/>
-    <dgm:cxn modelId="{8774A3EF-29B3-4499-96D3-F0E50903F757}" srcId="{EEB5E0BC-6A3C-4DC7-B66E-7281A5952941}" destId="{E63933ED-54A9-4BFD-AFA7-A25C8F2C4211}" srcOrd="2" destOrd="0" parTransId="{EE386440-A460-493F-B84C-ECA58D7D0913}" sibTransId="{0A00B3FC-0CBB-4EA3-85F9-9CE664A9B065}"/>
-    <dgm:cxn modelId="{29637038-9D4B-4BE0-B60A-87237D1F8B25}" type="presOf" srcId="{A7259307-2AD6-4FDB-89AF-EAC216FD5DE1}" destId="{67AB93B3-809B-4A23-B9D9-4F2D36F96859}" srcOrd="0" destOrd="0" presId="urn:microsoft.com/office/officeart/2005/8/layout/hierarchy4"/>
-    <dgm:cxn modelId="{878EE2EC-4B0F-4B7A-AF78-7A662960C570}" srcId="{EEB5E0BC-6A3C-4DC7-B66E-7281A5952941}" destId="{259F7C35-6F23-46A9-9A11-7C3C71A94E4C}" srcOrd="3" destOrd="0" parTransId="{20D96418-E147-42C2-BAF7-CD41553F77DB}" sibTransId="{4CB08C9D-33DA-4229-BE88-0B35989753A8}"/>
-    <dgm:cxn modelId="{6AFFC84F-F926-4C65-AFE8-ED27A736BF78}" srcId="{6B6A2AD9-A59D-4035-B453-06FE01954415}" destId="{26F2DC78-10B0-4FFF-8C01-A619791F94A7}" srcOrd="0" destOrd="0" parTransId="{97FD988B-F9EC-45F3-ABF2-7FA2B74BCF2B}" sibTransId="{51969A98-6F09-43BB-90FB-77AFFBEA6E8D}"/>
-    <dgm:cxn modelId="{8BFD2164-89A9-489A-9488-6E9CE2CD9CA0}" srcId="{6B6A2AD9-A59D-4035-B453-06FE01954415}" destId="{6550AD85-820E-4679-9434-910C6B7293DD}" srcOrd="1" destOrd="0" parTransId="{8CED074F-B85A-496B-BDCB-0560B081D138}" sibTransId="{C86692BF-F222-41D7-BF36-DC1976E36343}"/>
-    <dgm:cxn modelId="{748E3DD0-B361-4BBE-8C65-A58252DBDB13}" type="presOf" srcId="{E63933ED-54A9-4BFD-AFA7-A25C8F2C4211}" destId="{13771A08-EE05-4B62-8A90-814BC71FA85A}" srcOrd="0" destOrd="0" presId="urn:microsoft.com/office/officeart/2005/8/layout/hierarchy4"/>
-    <dgm:cxn modelId="{B477399D-C1B3-4106-B8CA-290F7DE876AB}" srcId="{EEB5E0BC-6A3C-4DC7-B66E-7281A5952941}" destId="{C771232A-9507-4C64-9D9A-BABD33FA04C2}" srcOrd="1" destOrd="0" parTransId="{EAFEA8F5-F38E-4291-BAF5-01FBEE45C43C}" sibTransId="{2E6ADF51-57AB-4FFD-8EB7-05B1EF2A7C3C}"/>
-    <dgm:cxn modelId="{58E5F0CE-4455-4406-9F9C-09D577009235}" type="presOf" srcId="{6B6A2AD9-A59D-4035-B453-06FE01954415}" destId="{6958F84C-4F2B-4411-AC66-D812C38CF059}" srcOrd="0" destOrd="0" presId="urn:microsoft.com/office/officeart/2005/8/layout/hierarchy4"/>
-    <dgm:cxn modelId="{A1B973C9-E590-4DD2-9434-007E1FA2DFA9}" srcId="{A7259307-2AD6-4FDB-89AF-EAC216FD5DE1}" destId="{EEB5E0BC-6A3C-4DC7-B66E-7281A5952941}" srcOrd="0" destOrd="0" parTransId="{5DD6F1C8-C46A-4D97-A90A-01057D720786}" sibTransId="{ACA3E4F9-FE0B-4BE7-A6EA-D7B59B4C942E}"/>
-    <dgm:cxn modelId="{8D94C170-A202-4E31-B515-0D6FCBB7E683}" type="presOf" srcId="{259F7C35-6F23-46A9-9A11-7C3C71A94E4C}" destId="{F4C5E98E-1F07-49F2-8F1E-214B904109A8}" srcOrd="0" destOrd="0" presId="urn:microsoft.com/office/officeart/2005/8/layout/hierarchy4"/>
-    <dgm:cxn modelId="{517FF5D7-F09E-473F-8CFD-AFDFE4609B9C}" srcId="{EEB5E0BC-6A3C-4DC7-B66E-7281A5952941}" destId="{6B6A2AD9-A59D-4035-B453-06FE01954415}" srcOrd="0" destOrd="0" parTransId="{B1EFA20C-0605-444A-934A-D0DE7B7787E4}" sibTransId="{E7BC2C71-9F1F-4DDF-AEA3-E5CD335DE7F7}"/>
-    <dgm:cxn modelId="{1163CE8D-7E0A-4CD1-A1DD-ACBBCD54A7EF}" type="presParOf" srcId="{67AB93B3-809B-4A23-B9D9-4F2D36F96859}" destId="{80EA3D35-3572-4D9B-8DB3-3179F22DF07F}" srcOrd="0" destOrd="0" presId="urn:microsoft.com/office/officeart/2005/8/layout/hierarchy4"/>
-    <dgm:cxn modelId="{4760C004-B395-4C46-809F-58AFD2D28A5C}" type="presParOf" srcId="{80EA3D35-3572-4D9B-8DB3-3179F22DF07F}" destId="{A407E9D9-9AAE-426B-B5EC-A82BACC7950C}" srcOrd="0" destOrd="0" presId="urn:microsoft.com/office/officeart/2005/8/layout/hierarchy4"/>
-    <dgm:cxn modelId="{00C813FF-AD35-4115-870F-FFF9E2590407}" type="presParOf" srcId="{80EA3D35-3572-4D9B-8DB3-3179F22DF07F}" destId="{AD7478A8-84CA-4FEC-A938-95601466C799}" srcOrd="1" destOrd="0" presId="urn:microsoft.com/office/officeart/2005/8/layout/hierarchy4"/>
-    <dgm:cxn modelId="{928E75DF-55D9-4E34-8824-6CD3874B5784}" type="presParOf" srcId="{80EA3D35-3572-4D9B-8DB3-3179F22DF07F}" destId="{C95528B6-AAA4-49C4-99AF-50406F1C7E60}" srcOrd="2" destOrd="0" presId="urn:microsoft.com/office/officeart/2005/8/layout/hierarchy4"/>
-    <dgm:cxn modelId="{38830C37-5F61-4C88-9311-B26CF2E12CAC}" type="presParOf" srcId="{C95528B6-AAA4-49C4-99AF-50406F1C7E60}" destId="{0F84686F-E52C-44A4-88DA-F75EDA6CF2B0}" srcOrd="0" destOrd="0" presId="urn:microsoft.com/office/officeart/2005/8/layout/hierarchy4"/>
-    <dgm:cxn modelId="{E5186C24-7552-4A8B-A39E-913985649EBD}" type="presParOf" srcId="{0F84686F-E52C-44A4-88DA-F75EDA6CF2B0}" destId="{6958F84C-4F2B-4411-AC66-D812C38CF059}" srcOrd="0" destOrd="0" presId="urn:microsoft.com/office/officeart/2005/8/layout/hierarchy4"/>
-    <dgm:cxn modelId="{FFD1D2A2-2994-45AB-B988-C70B62AEA6AF}" type="presParOf" srcId="{0F84686F-E52C-44A4-88DA-F75EDA6CF2B0}" destId="{ABA7474A-BFC7-41D6-A6CA-1E0603CACE64}" srcOrd="1" destOrd="0" presId="urn:microsoft.com/office/officeart/2005/8/layout/hierarchy4"/>
-    <dgm:cxn modelId="{BCA0CB03-8AC0-45DF-A84E-5A9FB79AC8D0}" type="presParOf" srcId="{0F84686F-E52C-44A4-88DA-F75EDA6CF2B0}" destId="{62426760-753B-454E-A3CA-C9EC8159A246}" srcOrd="2" destOrd="0" presId="urn:microsoft.com/office/officeart/2005/8/layout/hierarchy4"/>
-    <dgm:cxn modelId="{A2329DED-7DCD-4AFF-A2C5-704607F59925}" type="presParOf" srcId="{62426760-753B-454E-A3CA-C9EC8159A246}" destId="{87D9B110-B6A5-4737-865E-6786F5094C4E}" srcOrd="0" destOrd="0" presId="urn:microsoft.com/office/officeart/2005/8/layout/hierarchy4"/>
-    <dgm:cxn modelId="{729C7FFE-9D82-47F1-986C-6A10B6369871}" type="presParOf" srcId="{87D9B110-B6A5-4737-865E-6786F5094C4E}" destId="{2CE65DF0-1B7F-4891-B6C5-E890399B5770}" srcOrd="0" destOrd="0" presId="urn:microsoft.com/office/officeart/2005/8/layout/hierarchy4"/>
-    <dgm:cxn modelId="{60D97E32-AC0A-4A6E-A7A9-A0B92438DA7F}" type="presParOf" srcId="{87D9B110-B6A5-4737-865E-6786F5094C4E}" destId="{C3AAE374-B7B4-414B-9FEA-C2685FC6C60C}" srcOrd="1" destOrd="0" presId="urn:microsoft.com/office/officeart/2005/8/layout/hierarchy4"/>
-    <dgm:cxn modelId="{7E785A42-782F-4095-95EF-56B66EA37A32}" type="presParOf" srcId="{62426760-753B-454E-A3CA-C9EC8159A246}" destId="{5E6FEDD3-CA5D-4628-A6F4-82FC8640EE1D}" srcOrd="1" destOrd="0" presId="urn:microsoft.com/office/officeart/2005/8/layout/hierarchy4"/>
-    <dgm:cxn modelId="{7C10F766-5649-4107-8C12-3E0C3D03F75A}" type="presParOf" srcId="{62426760-753B-454E-A3CA-C9EC8159A246}" destId="{AB8C84F6-217A-441E-A328-DAA739821932}" srcOrd="2" destOrd="0" presId="urn:microsoft.com/office/officeart/2005/8/layout/hierarchy4"/>
-    <dgm:cxn modelId="{56C984CC-39D8-44D6-B243-CB7C6C5AEF0A}" type="presParOf" srcId="{AB8C84F6-217A-441E-A328-DAA739821932}" destId="{DE7EBDCC-ADEE-4873-AA4E-6A35B5105D0B}" srcOrd="0" destOrd="0" presId="urn:microsoft.com/office/officeart/2005/8/layout/hierarchy4"/>
-    <dgm:cxn modelId="{1AFD684F-B1C1-4792-B25D-85EE0FD39D07}" type="presParOf" srcId="{AB8C84F6-217A-441E-A328-DAA739821932}" destId="{3D9D425A-C068-47BE-BC3E-0F3A19BD7454}" srcOrd="1" destOrd="0" presId="urn:microsoft.com/office/officeart/2005/8/layout/hierarchy4"/>
-    <dgm:cxn modelId="{23B856C3-2F47-4BBB-B8E1-338FA44071BC}" type="presParOf" srcId="{C95528B6-AAA4-49C4-99AF-50406F1C7E60}" destId="{D4B8DBAF-0851-4114-BE6E-CE1C9D1E2697}" srcOrd="1" destOrd="0" presId="urn:microsoft.com/office/officeart/2005/8/layout/hierarchy4"/>
-    <dgm:cxn modelId="{3E46CF8D-A541-426E-8F3B-D17C6E67189E}" type="presParOf" srcId="{C95528B6-AAA4-49C4-99AF-50406F1C7E60}" destId="{627CEF37-D197-4B9E-B90E-CA8FB1EBCC14}" srcOrd="2" destOrd="0" presId="urn:microsoft.com/office/officeart/2005/8/layout/hierarchy4"/>
-    <dgm:cxn modelId="{DFB7AC28-CEB7-4BEA-8974-78928B55E339}" type="presParOf" srcId="{627CEF37-D197-4B9E-B90E-CA8FB1EBCC14}" destId="{02545288-0820-4CA5-A668-DE9D2A312D04}" srcOrd="0" destOrd="0" presId="urn:microsoft.com/office/officeart/2005/8/layout/hierarchy4"/>
-    <dgm:cxn modelId="{D8A6B631-DAA4-485B-A3A5-E0054B7AF762}" type="presParOf" srcId="{627CEF37-D197-4B9E-B90E-CA8FB1EBCC14}" destId="{F6C2E314-7D46-486F-AF0B-4DB5C0FBB160}" srcOrd="1" destOrd="0" presId="urn:microsoft.com/office/officeart/2005/8/layout/hierarchy4"/>
-    <dgm:cxn modelId="{5406F054-5B16-4DA2-B296-F1C6E13AD3AC}" type="presParOf" srcId="{C95528B6-AAA4-49C4-99AF-50406F1C7E60}" destId="{842426DD-0AEC-400E-9930-E74460AFFC27}" srcOrd="3" destOrd="0" presId="urn:microsoft.com/office/officeart/2005/8/layout/hierarchy4"/>
-    <dgm:cxn modelId="{9B1EE50E-2C62-434C-962F-ABCC584F1FD2}" type="presParOf" srcId="{C95528B6-AAA4-49C4-99AF-50406F1C7E60}" destId="{64186575-193B-485A-9AB2-23DBF86E656B}" srcOrd="4" destOrd="0" presId="urn:microsoft.com/office/officeart/2005/8/layout/hierarchy4"/>
-    <dgm:cxn modelId="{823BC7BD-947F-4416-9DF2-308CB567B6F8}" type="presParOf" srcId="{64186575-193B-485A-9AB2-23DBF86E656B}" destId="{13771A08-EE05-4B62-8A90-814BC71FA85A}" srcOrd="0" destOrd="0" presId="urn:microsoft.com/office/officeart/2005/8/layout/hierarchy4"/>
-    <dgm:cxn modelId="{6FF67E99-9332-44E6-983F-0A0E9A41C3A0}" type="presParOf" srcId="{64186575-193B-485A-9AB2-23DBF86E656B}" destId="{184D34ED-B28F-4621-B4A8-CA27531A5755}" srcOrd="1" destOrd="0" presId="urn:microsoft.com/office/officeart/2005/8/layout/hierarchy4"/>
-    <dgm:cxn modelId="{2B55DC18-43D8-4586-8C22-12A507DDAB09}" type="presParOf" srcId="{C95528B6-AAA4-49C4-99AF-50406F1C7E60}" destId="{74518572-62D3-4B53-87EF-ACC6B5ECF2F4}" srcOrd="5" destOrd="0" presId="urn:microsoft.com/office/officeart/2005/8/layout/hierarchy4"/>
-    <dgm:cxn modelId="{1C4965CD-D9C1-45A2-ABF4-07CA65FBA289}" type="presParOf" srcId="{C95528B6-AAA4-49C4-99AF-50406F1C7E60}" destId="{C0D3AA7F-51C9-441F-BD52-D59EACB3E1B6}" srcOrd="6" destOrd="0" presId="urn:microsoft.com/office/officeart/2005/8/layout/hierarchy4"/>
-    <dgm:cxn modelId="{B2EE3C04-28DD-4257-9433-6ECDA49F63DB}" type="presParOf" srcId="{C0D3AA7F-51C9-441F-BD52-D59EACB3E1B6}" destId="{F4C5E98E-1F07-49F2-8F1E-214B904109A8}" srcOrd="0" destOrd="0" presId="urn:microsoft.com/office/officeart/2005/8/layout/hierarchy4"/>
-    <dgm:cxn modelId="{2A74954F-D02D-4282-A37D-26D62F821300}" type="presParOf" srcId="{C0D3AA7F-51C9-441F-BD52-D59EACB3E1B6}" destId="{C8A00D7A-EA26-4998-B23B-FD7DFF62C28E}" srcOrd="1" destOrd="0" presId="urn:microsoft.com/office/officeart/2005/8/layout/hierarchy4"/>
+    <dgm:cxn modelId="{78510263-C12A-4876-9030-DC697DEA4E12}" srcId="{AEEB6EE5-C93C-487A-9823-241DC145648A}" destId="{CF01C897-E6DA-407B-9277-81257A63BCA0}" srcOrd="4" destOrd="0" parTransId="{BD998917-8EFC-427D-873C-A23C2AE66F02}" sibTransId="{33E15CA0-4804-4B02-B7A6-9F400488C20B}"/>
+    <dgm:cxn modelId="{0D9164C4-44D8-475F-BB01-6CE9A8A0F37B}" type="presOf" srcId="{CF01C897-E6DA-407B-9277-81257A63BCA0}" destId="{6949F036-8C0B-4033-96A0-29D94C8FF386}" srcOrd="0" destOrd="0" presId="urn:microsoft.com/office/officeart/2005/8/layout/hierarchy4"/>
+    <dgm:cxn modelId="{D2B3DEB8-C9A4-4645-8F03-C28FAC9ADD57}" type="presOf" srcId="{A8438FF9-1814-4FE9-BE0E-8EC5B33D78FA}" destId="{567D7E6B-7196-4F45-A0FA-CB266D8EFEE5}" srcOrd="0" destOrd="0" presId="urn:microsoft.com/office/officeart/2005/8/layout/hierarchy4"/>
+    <dgm:cxn modelId="{7AC07CA7-0321-4B8D-A3DC-B95DC9D5B70F}" srcId="{880D5E17-8928-4F3C-A110-9EA0D9B0E42F}" destId="{AEEB6EE5-C93C-487A-9823-241DC145648A}" srcOrd="0" destOrd="0" parTransId="{68FBF48C-E7D6-4B52-B211-B145411C40B1}" sibTransId="{B8960767-D913-4DE7-A228-B8C28EA7D2EF}"/>
+    <dgm:cxn modelId="{328E4079-DAF1-484C-90A9-544F376C40D2}" type="presOf" srcId="{C45E45D9-9D8B-417F-B9BD-A7D820C05A39}" destId="{417238FE-499D-498B-A36E-8268CC7FAEDE}" srcOrd="0" destOrd="0" presId="urn:microsoft.com/office/officeart/2005/8/layout/hierarchy4"/>
+    <dgm:cxn modelId="{0D46754B-E647-4410-9BA1-5F9B0468C4E5}" type="presOf" srcId="{C20CCEF3-9E98-4CE4-84A9-9EE576432FAC}" destId="{C7A51AC4-5E8F-47DB-9138-66D7F896DD07}" srcOrd="0" destOrd="0" presId="urn:microsoft.com/office/officeart/2005/8/layout/hierarchy4"/>
+    <dgm:cxn modelId="{BEBB88DE-1FAE-4F52-B4DF-A495DB61178A}" srcId="{AEEB6EE5-C93C-487A-9823-241DC145648A}" destId="{45E9530E-8CFB-4AF6-80AE-17E23716D79F}" srcOrd="0" destOrd="0" parTransId="{A7364E41-6BC9-4261-ADA5-908D22CC546F}" sibTransId="{F9BA8F62-C273-41B3-BE2C-EA95E4AC2B17}"/>
+    <dgm:cxn modelId="{3A36622C-A178-412D-9F7D-35148B438F17}" srcId="{AEEB6EE5-C93C-487A-9823-241DC145648A}" destId="{1AD18316-FD8B-4EAD-B167-8A6F619A2EC5}" srcOrd="1" destOrd="0" parTransId="{AC1A78BD-76D4-40D2-B5F0-BC5FB25FFFC9}" sibTransId="{58797941-82D1-44D4-8A92-A167479CD363}"/>
+    <dgm:cxn modelId="{EA32DFF0-2D32-4D6C-9061-F43E5E8216F6}" type="presOf" srcId="{45E9530E-8CFB-4AF6-80AE-17E23716D79F}" destId="{9E481FB9-FCCC-462D-B9DB-6CCD16968E5A}" srcOrd="0" destOrd="0" presId="urn:microsoft.com/office/officeart/2005/8/layout/hierarchy4"/>
+    <dgm:cxn modelId="{AAC18F4D-E825-46B1-AC5F-FC703868C4F6}" type="presOf" srcId="{AEEB6EE5-C93C-487A-9823-241DC145648A}" destId="{AE7FB80F-76A2-4C12-BADF-C42D7AF09DEA}" srcOrd="0" destOrd="0" presId="urn:microsoft.com/office/officeart/2005/8/layout/hierarchy4"/>
+    <dgm:cxn modelId="{D9528332-7CE5-45EE-82C2-6C701422B0B1}" srcId="{AEEB6EE5-C93C-487A-9823-241DC145648A}" destId="{C45E45D9-9D8B-417F-B9BD-A7D820C05A39}" srcOrd="3" destOrd="0" parTransId="{1A93516A-7CB4-40A6-A3F5-B0B00A76597A}" sibTransId="{B2C3D5AB-E4C7-4FEF-BFC8-3E9EFA98C1B5}"/>
+    <dgm:cxn modelId="{36D79255-3AC1-4883-9DF3-AAFF27B165F3}" srcId="{45E9530E-8CFB-4AF6-80AE-17E23716D79F}" destId="{C20CCEF3-9E98-4CE4-84A9-9EE576432FAC}" srcOrd="1" destOrd="0" parTransId="{02DB8A1D-0688-4424-B586-7BE756AC0531}" sibTransId="{3F908731-DAEE-471A-8D42-19A16594A2D5}"/>
+    <dgm:cxn modelId="{DBA3C539-9891-4A56-8D52-E43A19C8BA0D}" type="presOf" srcId="{880D5E17-8928-4F3C-A110-9EA0D9B0E42F}" destId="{BE370E80-03AC-4C55-B359-7A4EB3C36ACB}" srcOrd="0" destOrd="0" presId="urn:microsoft.com/office/officeart/2005/8/layout/hierarchy4"/>
+    <dgm:cxn modelId="{28E91533-EF85-43D1-918A-261B763F1DFC}" srcId="{45E9530E-8CFB-4AF6-80AE-17E23716D79F}" destId="{BC76DE4F-9E0E-427B-BB5D-B71F2C46F931}" srcOrd="0" destOrd="0" parTransId="{BAE44A0B-B3A0-40A0-A607-5A1AF3B24066}" sibTransId="{E8FE3349-122E-4324-902E-B98D92F3691A}"/>
+    <dgm:cxn modelId="{910F08D8-A587-491C-80F9-51A50A17BF51}" type="presOf" srcId="{1AD18316-FD8B-4EAD-B167-8A6F619A2EC5}" destId="{1688CDE6-1AC2-4FC2-AF9D-5B678767FB20}" srcOrd="0" destOrd="0" presId="urn:microsoft.com/office/officeart/2005/8/layout/hierarchy4"/>
+    <dgm:cxn modelId="{14F2AC9F-D94C-4A04-9DE9-56C974655425}" type="presOf" srcId="{BC76DE4F-9E0E-427B-BB5D-B71F2C46F931}" destId="{34021D49-8E6C-47B9-99C6-8EBBE1C9A2C7}" srcOrd="0" destOrd="0" presId="urn:microsoft.com/office/officeart/2005/8/layout/hierarchy4"/>
+    <dgm:cxn modelId="{8D4CAD3A-0F05-44F1-889A-14A05A808C7E}" srcId="{AEEB6EE5-C93C-487A-9823-241DC145648A}" destId="{A8438FF9-1814-4FE9-BE0E-8EC5B33D78FA}" srcOrd="2" destOrd="0" parTransId="{7DB20EB8-9844-4477-BB26-6064E7BAA7DE}" sibTransId="{6A66D4D7-6ED6-4E80-B42D-7405220482F2}"/>
+    <dgm:cxn modelId="{30D0D8C7-5DB0-4021-80F1-AD88A2804A19}" type="presParOf" srcId="{BE370E80-03AC-4C55-B359-7A4EB3C36ACB}" destId="{AE214A4E-B716-40C0-AF6D-A24E766D1392}" srcOrd="0" destOrd="0" presId="urn:microsoft.com/office/officeart/2005/8/layout/hierarchy4"/>
+    <dgm:cxn modelId="{7CF44863-BE2E-4819-A2B1-1E539F9AD41F}" type="presParOf" srcId="{AE214A4E-B716-40C0-AF6D-A24E766D1392}" destId="{AE7FB80F-76A2-4C12-BADF-C42D7AF09DEA}" srcOrd="0" destOrd="0" presId="urn:microsoft.com/office/officeart/2005/8/layout/hierarchy4"/>
+    <dgm:cxn modelId="{D3DD3916-3228-4436-817D-011F820DCBA6}" type="presParOf" srcId="{AE214A4E-B716-40C0-AF6D-A24E766D1392}" destId="{44CE0C6E-753D-4D67-BFF6-A0E9CA7AC8E1}" srcOrd="1" destOrd="0" presId="urn:microsoft.com/office/officeart/2005/8/layout/hierarchy4"/>
+    <dgm:cxn modelId="{FBBC7CDD-3201-43FB-BD6D-EEB0D5A904FE}" type="presParOf" srcId="{AE214A4E-B716-40C0-AF6D-A24E766D1392}" destId="{BD6F6CB4-6317-429E-A81F-4B46B5C13895}" srcOrd="2" destOrd="0" presId="urn:microsoft.com/office/officeart/2005/8/layout/hierarchy4"/>
+    <dgm:cxn modelId="{ED84B31A-08C6-4F74-86EB-09A63E4625EA}" type="presParOf" srcId="{BD6F6CB4-6317-429E-A81F-4B46B5C13895}" destId="{6147E699-1062-49A7-A712-68E94C8C2639}" srcOrd="0" destOrd="0" presId="urn:microsoft.com/office/officeart/2005/8/layout/hierarchy4"/>
+    <dgm:cxn modelId="{9168E2DA-40DA-4FB0-9D4C-E2ED51C5FA62}" type="presParOf" srcId="{6147E699-1062-49A7-A712-68E94C8C2639}" destId="{9E481FB9-FCCC-462D-B9DB-6CCD16968E5A}" srcOrd="0" destOrd="0" presId="urn:microsoft.com/office/officeart/2005/8/layout/hierarchy4"/>
+    <dgm:cxn modelId="{645DF54F-DD58-4AF1-B103-59E5FDC47383}" type="presParOf" srcId="{6147E699-1062-49A7-A712-68E94C8C2639}" destId="{9CABE846-1A4A-4694-A58A-0C58E0E49691}" srcOrd="1" destOrd="0" presId="urn:microsoft.com/office/officeart/2005/8/layout/hierarchy4"/>
+    <dgm:cxn modelId="{31E89870-C793-4FAF-9B4F-CD224B15C87E}" type="presParOf" srcId="{6147E699-1062-49A7-A712-68E94C8C2639}" destId="{FE83B89C-9BD4-4889-A7BF-69388D6480A1}" srcOrd="2" destOrd="0" presId="urn:microsoft.com/office/officeart/2005/8/layout/hierarchy4"/>
+    <dgm:cxn modelId="{25A1C14D-258E-49C7-80E9-B1957E4607A8}" type="presParOf" srcId="{FE83B89C-9BD4-4889-A7BF-69388D6480A1}" destId="{EE242AD0-319A-4818-A050-0B68E79A6E7D}" srcOrd="0" destOrd="0" presId="urn:microsoft.com/office/officeart/2005/8/layout/hierarchy4"/>
+    <dgm:cxn modelId="{0A92BD9C-E783-4FAB-8751-C8ABF0D84551}" type="presParOf" srcId="{EE242AD0-319A-4818-A050-0B68E79A6E7D}" destId="{34021D49-8E6C-47B9-99C6-8EBBE1C9A2C7}" srcOrd="0" destOrd="0" presId="urn:microsoft.com/office/officeart/2005/8/layout/hierarchy4"/>
+    <dgm:cxn modelId="{083828B6-120C-4838-8B10-528019787DD5}" type="presParOf" srcId="{EE242AD0-319A-4818-A050-0B68E79A6E7D}" destId="{3F98236E-4945-40C2-B025-7CDC99C3681A}" srcOrd="1" destOrd="0" presId="urn:microsoft.com/office/officeart/2005/8/layout/hierarchy4"/>
+    <dgm:cxn modelId="{661E9491-79FD-4AE7-AA04-994F6F3E7FEB}" type="presParOf" srcId="{FE83B89C-9BD4-4889-A7BF-69388D6480A1}" destId="{15B30173-DDB4-4DE8-89BA-1E994996397D}" srcOrd="1" destOrd="0" presId="urn:microsoft.com/office/officeart/2005/8/layout/hierarchy4"/>
+    <dgm:cxn modelId="{79372FEB-1847-47B4-AD68-80B304AA64CA}" type="presParOf" srcId="{FE83B89C-9BD4-4889-A7BF-69388D6480A1}" destId="{B0B5FF1F-A299-4769-AD81-84CE771EA515}" srcOrd="2" destOrd="0" presId="urn:microsoft.com/office/officeart/2005/8/layout/hierarchy4"/>
+    <dgm:cxn modelId="{D82C0EA0-3C68-4F2A-984A-CD19C2C2CCC9}" type="presParOf" srcId="{B0B5FF1F-A299-4769-AD81-84CE771EA515}" destId="{C7A51AC4-5E8F-47DB-9138-66D7F896DD07}" srcOrd="0" destOrd="0" presId="urn:microsoft.com/office/officeart/2005/8/layout/hierarchy4"/>
+    <dgm:cxn modelId="{2FF8267F-E872-4B29-98EC-CB7CD83FE445}" type="presParOf" srcId="{B0B5FF1F-A299-4769-AD81-84CE771EA515}" destId="{E30FDF3E-F961-4D47-92D7-46A7C9BFBDA8}" srcOrd="1" destOrd="0" presId="urn:microsoft.com/office/officeart/2005/8/layout/hierarchy4"/>
+    <dgm:cxn modelId="{6310A52E-E687-48E3-BEC6-220CA0F5FBF9}" type="presParOf" srcId="{BD6F6CB4-6317-429E-A81F-4B46B5C13895}" destId="{24D33B86-70F9-43E2-AB75-678A0694FAAD}" srcOrd="1" destOrd="0" presId="urn:microsoft.com/office/officeart/2005/8/layout/hierarchy4"/>
+    <dgm:cxn modelId="{9B344EE2-D751-44D9-A3A2-410E179425B2}" type="presParOf" srcId="{BD6F6CB4-6317-429E-A81F-4B46B5C13895}" destId="{EEE6B659-0601-4A02-B2A9-30DADBE291A3}" srcOrd="2" destOrd="0" presId="urn:microsoft.com/office/officeart/2005/8/layout/hierarchy4"/>
+    <dgm:cxn modelId="{2B9C6F6B-18CE-41B8-9F6C-B8C9AC3C5C57}" type="presParOf" srcId="{EEE6B659-0601-4A02-B2A9-30DADBE291A3}" destId="{1688CDE6-1AC2-4FC2-AF9D-5B678767FB20}" srcOrd="0" destOrd="0" presId="urn:microsoft.com/office/officeart/2005/8/layout/hierarchy4"/>
+    <dgm:cxn modelId="{D992CC60-1E59-4959-9D92-1E21CBAFDE4C}" type="presParOf" srcId="{EEE6B659-0601-4A02-B2A9-30DADBE291A3}" destId="{2F8C02FD-4B3F-457E-9AFF-17F05B07728F}" srcOrd="1" destOrd="0" presId="urn:microsoft.com/office/officeart/2005/8/layout/hierarchy4"/>
+    <dgm:cxn modelId="{ADB5EB25-C9E2-4415-8EB3-6742005F164D}" type="presParOf" srcId="{BD6F6CB4-6317-429E-A81F-4B46B5C13895}" destId="{3C4948A1-7C25-496F-904B-953CFE00278E}" srcOrd="3" destOrd="0" presId="urn:microsoft.com/office/officeart/2005/8/layout/hierarchy4"/>
+    <dgm:cxn modelId="{D348CA9E-DC33-45B0-80E3-6F1320E4D387}" type="presParOf" srcId="{BD6F6CB4-6317-429E-A81F-4B46B5C13895}" destId="{1C54BC92-1B25-4A6D-BFD6-EB0402F891EC}" srcOrd="4" destOrd="0" presId="urn:microsoft.com/office/officeart/2005/8/layout/hierarchy4"/>
+    <dgm:cxn modelId="{55363317-AB22-4328-8A32-4926A99DF8F3}" type="presParOf" srcId="{1C54BC92-1B25-4A6D-BFD6-EB0402F891EC}" destId="{567D7E6B-7196-4F45-A0FA-CB266D8EFEE5}" srcOrd="0" destOrd="0" presId="urn:microsoft.com/office/officeart/2005/8/layout/hierarchy4"/>
+    <dgm:cxn modelId="{B0A1119C-A968-4DA1-B4BA-27D1A57C0F5A}" type="presParOf" srcId="{1C54BC92-1B25-4A6D-BFD6-EB0402F891EC}" destId="{CDEE82FF-9403-4B84-AB3D-A56FF31DDCD2}" srcOrd="1" destOrd="0" presId="urn:microsoft.com/office/officeart/2005/8/layout/hierarchy4"/>
+    <dgm:cxn modelId="{11FCAB75-0647-4F23-967A-EA8D19E0C06A}" type="presParOf" srcId="{BD6F6CB4-6317-429E-A81F-4B46B5C13895}" destId="{AF6A22F9-0F6B-474E-90EA-FA09D9E2E8BB}" srcOrd="5" destOrd="0" presId="urn:microsoft.com/office/officeart/2005/8/layout/hierarchy4"/>
+    <dgm:cxn modelId="{99949BFE-1F81-41F4-B515-E4E84E8B769F}" type="presParOf" srcId="{BD6F6CB4-6317-429E-A81F-4B46B5C13895}" destId="{B8DD9903-8F0D-43EA-A33E-40299BF6B5CC}" srcOrd="6" destOrd="0" presId="urn:microsoft.com/office/officeart/2005/8/layout/hierarchy4"/>
+    <dgm:cxn modelId="{2A094E0E-6155-4E3E-BF86-9AB003BEFD7F}" type="presParOf" srcId="{B8DD9903-8F0D-43EA-A33E-40299BF6B5CC}" destId="{417238FE-499D-498B-A36E-8268CC7FAEDE}" srcOrd="0" destOrd="0" presId="urn:microsoft.com/office/officeart/2005/8/layout/hierarchy4"/>
+    <dgm:cxn modelId="{937E658E-8EBC-4D4D-93D1-0C9F1FA9DFCA}" type="presParOf" srcId="{B8DD9903-8F0D-43EA-A33E-40299BF6B5CC}" destId="{3B37B819-08C5-4AA4-8B99-9C638F9ED5CD}" srcOrd="1" destOrd="0" presId="urn:microsoft.com/office/officeart/2005/8/layout/hierarchy4"/>
+    <dgm:cxn modelId="{87E3E47D-0114-4850-8AC8-30ECF9478FDF}" type="presParOf" srcId="{BD6F6CB4-6317-429E-A81F-4B46B5C13895}" destId="{6DF92515-BFAF-45F6-B209-8CFCD5B38A07}" srcOrd="7" destOrd="0" presId="urn:microsoft.com/office/officeart/2005/8/layout/hierarchy4"/>
+    <dgm:cxn modelId="{6621076F-3939-4D4B-BEE9-01A34D1C2AAC}" type="presParOf" srcId="{BD6F6CB4-6317-429E-A81F-4B46B5C13895}" destId="{9CD75C9B-527E-4EFF-866A-9C216FBC582C}" srcOrd="8" destOrd="0" presId="urn:microsoft.com/office/officeart/2005/8/layout/hierarchy4"/>
+    <dgm:cxn modelId="{763EF21E-A412-4CEA-834F-6DBC877114E9}" type="presParOf" srcId="{9CD75C9B-527E-4EFF-866A-9C216FBC582C}" destId="{6949F036-8C0B-4033-96A0-29D94C8FF386}" srcOrd="0" destOrd="0" presId="urn:microsoft.com/office/officeart/2005/8/layout/hierarchy4"/>
+    <dgm:cxn modelId="{E183236B-BA71-4B02-9234-22EB06A237C8}" type="presParOf" srcId="{9CD75C9B-527E-4EFF-866A-9C216FBC582C}" destId="{3EC53CA5-45C3-46DA-AC8F-8FBB1AF68A69}" srcOrd="1" destOrd="0" presId="urn:microsoft.com/office/officeart/2005/8/layout/hierarchy4"/>
   </dgm:cxnLst>
   <dgm:bg/>
   <dgm:whole/>
@@ -3192,15 +3200,15 @@
       <dsp:cNvGrpSpPr/>
     </dsp:nvGrpSpPr>
     <dsp:grpSpPr/>
-    <dsp:sp modelId="{A407E9D9-9AAE-426B-B5EC-A82BACC7950C}">
+    <dsp:sp modelId="{AE7FB80F-76A2-4C12-BADF-C42D7AF09DEA}">
       <dsp:nvSpPr>
         <dsp:cNvPr id="0" name=""/>
         <dsp:cNvSpPr/>
       </dsp:nvSpPr>
       <dsp:spPr>
         <a:xfrm>
-          <a:off x="4435" y="604"/>
-          <a:ext cx="9711200" cy="1229796"/>
+          <a:off x="1570" y="604"/>
+          <a:ext cx="9716929" cy="1229796"/>
         </a:xfrm>
         <a:prstGeom prst="roundRect">
           <a:avLst>
@@ -3215,7 +3223,7 @@
             <a:alphaOff val="0"/>
           </a:schemeClr>
         </a:solidFill>
-        <a:ln w="15875" cap="flat" cmpd="sng" algn="ctr">
+        <a:ln w="19050" cap="flat" cmpd="sng" algn="ctr">
           <a:solidFill>
             <a:schemeClr val="lt1">
               <a:hueOff val="0"/>
@@ -3229,13 +3237,13 @@
         <a:effectLst/>
       </dsp:spPr>
       <dsp:style>
-        <a:lnRef idx="2">
+        <a:lnRef idx="3">
           <a:scrgbClr r="0" g="0" b="0"/>
         </a:lnRef>
         <a:fillRef idx="1">
           <a:scrgbClr r="0" g="0" b="0"/>
         </a:fillRef>
-        <a:effectRef idx="0">
+        <a:effectRef idx="1">
           <a:scrgbClr r="0" g="0" b="0"/>
         </a:effectRef>
         <a:fontRef idx="minor">
@@ -3243,12 +3251,12 @@
         </a:fontRef>
       </dsp:style>
       <dsp:txBody>
-        <a:bodyPr spcFirstLastPara="0" vert="horz" wrap="square" lIns="167640" tIns="167640" rIns="167640" bIns="167640" numCol="1" spcCol="1270" anchor="ctr" anchorCtr="0">
+        <a:bodyPr spcFirstLastPara="0" vert="horz" wrap="square" lIns="217170" tIns="217170" rIns="217170" bIns="217170" numCol="1" spcCol="1270" anchor="ctr" anchorCtr="0">
           <a:noAutofit/>
         </a:bodyPr>
         <a:lstStyle/>
         <a:p>
-          <a:pPr lvl="0" algn="ctr" defTabSz="1955800" rtl="0">
+          <a:pPr lvl="0" algn="ctr" defTabSz="2533650" rtl="0">
             <a:lnSpc>
               <a:spcPct val="90000"/>
             </a:lnSpc>
@@ -3260,26 +3268,26 @@
             </a:spcAft>
           </a:pPr>
           <a:r>
-            <a:rPr lang="es-ES" sz="4400" kern="1200" dirty="0" smtClean="0"/>
+            <a:rPr lang="es-ES" sz="5700" kern="1200" smtClean="0"/>
             <a:t>Dirección General Edilicia</a:t>
           </a:r>
-          <a:endParaRPr lang="es-AR" sz="4400" kern="1200" dirty="0"/>
+          <a:endParaRPr lang="es-AR" sz="5700" kern="1200"/>
         </a:p>
       </dsp:txBody>
       <dsp:txXfrm>
-        <a:off x="40454" y="36623"/>
-        <a:ext cx="9639162" cy="1157758"/>
+        <a:off x="37589" y="36623"/>
+        <a:ext cx="9644891" cy="1157758"/>
       </dsp:txXfrm>
     </dsp:sp>
-    <dsp:sp modelId="{6958F84C-4F2B-4411-AC66-D812C38CF059}">
+    <dsp:sp modelId="{9E481FB9-FCCC-462D-B9DB-6CCD16968E5A}">
       <dsp:nvSpPr>
         <dsp:cNvPr id="0" name=""/>
         <dsp:cNvSpPr/>
       </dsp:nvSpPr>
       <dsp:spPr>
         <a:xfrm>
-          <a:off x="4435" y="1396781"/>
-          <a:ext cx="3745801" cy="1229796"/>
+          <a:off x="1570" y="1396781"/>
+          <a:ext cx="3111001" cy="1229796"/>
         </a:xfrm>
         <a:prstGeom prst="roundRect">
           <a:avLst>
@@ -3294,7 +3302,7 @@
             <a:alphaOff val="0"/>
           </a:schemeClr>
         </a:solidFill>
-        <a:ln w="15875" cap="flat" cmpd="sng" algn="ctr">
+        <a:ln w="19050" cap="flat" cmpd="sng" algn="ctr">
           <a:solidFill>
             <a:schemeClr val="lt1">
               <a:hueOff val="0"/>
@@ -3308,13 +3316,13 @@
         <a:effectLst/>
       </dsp:spPr>
       <dsp:style>
-        <a:lnRef idx="2">
+        <a:lnRef idx="3">
           <a:scrgbClr r="0" g="0" b="0"/>
         </a:lnRef>
         <a:fillRef idx="1">
           <a:scrgbClr r="0" g="0" b="0"/>
         </a:fillRef>
-        <a:effectRef idx="0">
+        <a:effectRef idx="1">
           <a:scrgbClr r="0" g="0" b="0"/>
         </a:effectRef>
         <a:fontRef idx="minor">
@@ -3322,12 +3330,12 @@
         </a:fontRef>
       </dsp:style>
       <dsp:txBody>
-        <a:bodyPr spcFirstLastPara="0" vert="horz" wrap="square" lIns="80010" tIns="80010" rIns="80010" bIns="80010" numCol="1" spcCol="1270" anchor="ctr" anchorCtr="0">
+        <a:bodyPr spcFirstLastPara="0" vert="horz" wrap="square" lIns="64770" tIns="64770" rIns="64770" bIns="64770" numCol="1" spcCol="1270" anchor="ctr" anchorCtr="0">
           <a:noAutofit/>
         </a:bodyPr>
         <a:lstStyle/>
         <a:p>
-          <a:pPr lvl="0" algn="ctr" defTabSz="933450" rtl="0">
+          <a:pPr lvl="0" algn="ctr" defTabSz="755650" rtl="0">
             <a:lnSpc>
               <a:spcPct val="90000"/>
             </a:lnSpc>
@@ -3339,26 +3347,26 @@
             </a:spcAft>
           </a:pPr>
           <a:r>
-            <a:rPr lang="es-ES" sz="2100" kern="1200" smtClean="0"/>
+            <a:rPr lang="es-ES" sz="1700" kern="1200" smtClean="0"/>
             <a:t>Servicios Generales</a:t>
           </a:r>
-          <a:endParaRPr lang="es-AR" sz="2100" kern="1200"/>
+          <a:endParaRPr lang="es-AR" sz="1700" kern="1200"/>
         </a:p>
       </dsp:txBody>
       <dsp:txXfrm>
-        <a:off x="40454" y="1432800"/>
-        <a:ext cx="3673763" cy="1157758"/>
+        <a:off x="37589" y="1432800"/>
+        <a:ext cx="3038963" cy="1157758"/>
       </dsp:txXfrm>
     </dsp:sp>
-    <dsp:sp modelId="{2CE65DF0-1B7F-4891-B6C5-E890399B5770}">
+    <dsp:sp modelId="{34021D49-8E6C-47B9-99C6-8EBBE1C9A2C7}">
       <dsp:nvSpPr>
         <dsp:cNvPr id="0" name=""/>
         <dsp:cNvSpPr/>
       </dsp:nvSpPr>
       <dsp:spPr>
         <a:xfrm>
-          <a:off x="4435" y="2792958"/>
-          <a:ext cx="1834378" cy="1229796"/>
+          <a:off x="1570" y="2792958"/>
+          <a:ext cx="1523507" cy="1229796"/>
         </a:xfrm>
         <a:prstGeom prst="roundRect">
           <a:avLst>
@@ -3373,7 +3381,7 @@
             <a:alphaOff val="0"/>
           </a:schemeClr>
         </a:solidFill>
-        <a:ln w="15875" cap="flat" cmpd="sng" algn="ctr">
+        <a:ln w="19050" cap="flat" cmpd="sng" algn="ctr">
           <a:solidFill>
             <a:schemeClr val="lt1">
               <a:hueOff val="0"/>
@@ -3387,13 +3395,13 @@
         <a:effectLst/>
       </dsp:spPr>
       <dsp:style>
-        <a:lnRef idx="2">
+        <a:lnRef idx="3">
           <a:scrgbClr r="0" g="0" b="0"/>
         </a:lnRef>
         <a:fillRef idx="1">
           <a:scrgbClr r="0" g="0" b="0"/>
         </a:fillRef>
-        <a:effectRef idx="0">
+        <a:effectRef idx="1">
           <a:scrgbClr r="0" g="0" b="0"/>
         </a:effectRef>
         <a:fontRef idx="minor">
@@ -3401,12 +3409,12 @@
         </a:fontRef>
       </dsp:style>
       <dsp:txBody>
-        <a:bodyPr spcFirstLastPara="0" vert="horz" wrap="square" lIns="80010" tIns="80010" rIns="80010" bIns="80010" numCol="1" spcCol="1270" anchor="ctr" anchorCtr="0">
+        <a:bodyPr spcFirstLastPara="0" vert="horz" wrap="square" lIns="64770" tIns="64770" rIns="64770" bIns="64770" numCol="1" spcCol="1270" anchor="ctr" anchorCtr="0">
           <a:noAutofit/>
         </a:bodyPr>
         <a:lstStyle/>
         <a:p>
-          <a:pPr lvl="0" algn="ctr" defTabSz="933450" rtl="0">
+          <a:pPr lvl="0" algn="ctr" defTabSz="755650" rtl="0">
             <a:lnSpc>
               <a:spcPct val="90000"/>
             </a:lnSpc>
@@ -3418,26 +3426,26 @@
             </a:spcAft>
           </a:pPr>
           <a:r>
-            <a:rPr lang="es-ES" sz="2100" kern="1200" smtClean="0"/>
+            <a:rPr lang="es-ES" sz="1700" kern="1200" smtClean="0"/>
             <a:t>Control de Accesos</a:t>
           </a:r>
-          <a:endParaRPr lang="es-AR" sz="2100" kern="1200"/>
+          <a:endParaRPr lang="es-AR" sz="1700" kern="1200"/>
         </a:p>
       </dsp:txBody>
       <dsp:txXfrm>
-        <a:off x="40454" y="2828977"/>
-        <a:ext cx="1762340" cy="1157758"/>
+        <a:off x="37589" y="2828977"/>
+        <a:ext cx="1451469" cy="1157758"/>
       </dsp:txXfrm>
     </dsp:sp>
-    <dsp:sp modelId="{DE7EBDCC-ADEE-4873-AA4E-6A35B5105D0B}">
+    <dsp:sp modelId="{C7A51AC4-5E8F-47DB-9138-66D7F896DD07}">
       <dsp:nvSpPr>
         <dsp:cNvPr id="0" name=""/>
         <dsp:cNvSpPr/>
       </dsp:nvSpPr>
       <dsp:spPr>
         <a:xfrm>
-          <a:off x="1915857" y="2792958"/>
-          <a:ext cx="1834378" cy="1229796"/>
+          <a:off x="1589065" y="2792958"/>
+          <a:ext cx="1523507" cy="1229796"/>
         </a:xfrm>
         <a:prstGeom prst="roundRect">
           <a:avLst>
@@ -3452,7 +3460,7 @@
             <a:alphaOff val="0"/>
           </a:schemeClr>
         </a:solidFill>
-        <a:ln w="15875" cap="flat" cmpd="sng" algn="ctr">
+        <a:ln w="19050" cap="flat" cmpd="sng" algn="ctr">
           <a:solidFill>
             <a:schemeClr val="lt1">
               <a:hueOff val="0"/>
@@ -3466,13 +3474,13 @@
         <a:effectLst/>
       </dsp:spPr>
       <dsp:style>
-        <a:lnRef idx="2">
+        <a:lnRef idx="3">
           <a:scrgbClr r="0" g="0" b="0"/>
         </a:lnRef>
         <a:fillRef idx="1">
           <a:scrgbClr r="0" g="0" b="0"/>
         </a:fillRef>
-        <a:effectRef idx="0">
+        <a:effectRef idx="1">
           <a:scrgbClr r="0" g="0" b="0"/>
         </a:effectRef>
         <a:fontRef idx="minor">
@@ -3480,12 +3488,12 @@
         </a:fontRef>
       </dsp:style>
       <dsp:txBody>
-        <a:bodyPr spcFirstLastPara="0" vert="horz" wrap="square" lIns="80010" tIns="80010" rIns="80010" bIns="80010" numCol="1" spcCol="1270" anchor="ctr" anchorCtr="0">
+        <a:bodyPr spcFirstLastPara="0" vert="horz" wrap="square" lIns="64770" tIns="64770" rIns="64770" bIns="64770" numCol="1" spcCol="1270" anchor="ctr" anchorCtr="0">
           <a:noAutofit/>
         </a:bodyPr>
         <a:lstStyle/>
         <a:p>
-          <a:pPr lvl="0" algn="ctr" defTabSz="933450" rtl="0">
+          <a:pPr lvl="0" algn="ctr" defTabSz="755650" rtl="0">
             <a:lnSpc>
               <a:spcPct val="90000"/>
             </a:lnSpc>
@@ -3497,26 +3505,26 @@
             </a:spcAft>
           </a:pPr>
           <a:r>
-            <a:rPr lang="es-ES" sz="2100" kern="1200" smtClean="0"/>
+            <a:rPr lang="es-ES" sz="1700" kern="1200" smtClean="0"/>
             <a:t>Limpieza</a:t>
           </a:r>
-          <a:endParaRPr lang="es-AR" sz="2100" kern="1200"/>
+          <a:endParaRPr lang="es-AR" sz="1700" kern="1200"/>
         </a:p>
       </dsp:txBody>
       <dsp:txXfrm>
-        <a:off x="1951876" y="2828977"/>
-        <a:ext cx="1762340" cy="1157758"/>
+        <a:off x="1625084" y="2828977"/>
+        <a:ext cx="1451469" cy="1157758"/>
       </dsp:txXfrm>
     </dsp:sp>
-    <dsp:sp modelId="{02545288-0820-4CA5-A668-DE9D2A312D04}">
+    <dsp:sp modelId="{1688CDE6-1AC2-4FC2-AF9D-5B678767FB20}">
       <dsp:nvSpPr>
         <dsp:cNvPr id="0" name=""/>
         <dsp:cNvSpPr/>
       </dsp:nvSpPr>
       <dsp:spPr>
         <a:xfrm>
-          <a:off x="3904324" y="1396781"/>
-          <a:ext cx="1834378" cy="1229796"/>
+          <a:off x="3240547" y="1396781"/>
+          <a:ext cx="1523507" cy="1229796"/>
         </a:xfrm>
         <a:prstGeom prst="roundRect">
           <a:avLst>
@@ -3531,7 +3539,7 @@
             <a:alphaOff val="0"/>
           </a:schemeClr>
         </a:solidFill>
-        <a:ln w="15875" cap="flat" cmpd="sng" algn="ctr">
+        <a:ln w="19050" cap="flat" cmpd="sng" algn="ctr">
           <a:solidFill>
             <a:schemeClr val="lt1">
               <a:hueOff val="0"/>
@@ -3545,13 +3553,13 @@
         <a:effectLst/>
       </dsp:spPr>
       <dsp:style>
-        <a:lnRef idx="2">
+        <a:lnRef idx="3">
           <a:scrgbClr r="0" g="0" b="0"/>
         </a:lnRef>
         <a:fillRef idx="1">
           <a:scrgbClr r="0" g="0" b="0"/>
         </a:fillRef>
-        <a:effectRef idx="0">
+        <a:effectRef idx="1">
           <a:scrgbClr r="0" g="0" b="0"/>
         </a:effectRef>
         <a:fontRef idx="minor">
@@ -3559,12 +3567,12 @@
         </a:fontRef>
       </dsp:style>
       <dsp:txBody>
-        <a:bodyPr spcFirstLastPara="0" vert="horz" wrap="square" lIns="80010" tIns="80010" rIns="80010" bIns="80010" numCol="1" spcCol="1270" anchor="ctr" anchorCtr="0">
+        <a:bodyPr spcFirstLastPara="0" vert="horz" wrap="square" lIns="64770" tIns="64770" rIns="64770" bIns="64770" numCol="1" spcCol="1270" anchor="ctr" anchorCtr="0">
           <a:noAutofit/>
         </a:bodyPr>
         <a:lstStyle/>
         <a:p>
-          <a:pPr lvl="0" algn="ctr" defTabSz="933450" rtl="0">
+          <a:pPr lvl="0" algn="ctr" defTabSz="755650" rtl="0">
             <a:lnSpc>
               <a:spcPct val="90000"/>
             </a:lnSpc>
@@ -3576,26 +3584,26 @@
             </a:spcAft>
           </a:pPr>
           <a:r>
-            <a:rPr lang="es-ES" sz="2100" kern="1200" smtClean="0"/>
+            <a:rPr lang="es-ES" sz="1700" kern="1200" smtClean="0"/>
             <a:t>Espacios Físicos</a:t>
           </a:r>
-          <a:endParaRPr lang="es-AR" sz="2100" kern="1200"/>
+          <a:endParaRPr lang="es-AR" sz="1700" kern="1200"/>
         </a:p>
       </dsp:txBody>
       <dsp:txXfrm>
-        <a:off x="3940343" y="1432800"/>
-        <a:ext cx="1762340" cy="1157758"/>
+        <a:off x="3276566" y="1432800"/>
+        <a:ext cx="1451469" cy="1157758"/>
       </dsp:txXfrm>
     </dsp:sp>
-    <dsp:sp modelId="{13771A08-EE05-4B62-8A90-814BC71FA85A}">
+    <dsp:sp modelId="{567D7E6B-7196-4F45-A0FA-CB266D8EFEE5}">
       <dsp:nvSpPr>
         <dsp:cNvPr id="0" name=""/>
         <dsp:cNvSpPr/>
       </dsp:nvSpPr>
       <dsp:spPr>
         <a:xfrm>
-          <a:off x="5892790" y="1396781"/>
-          <a:ext cx="1834378" cy="1229796"/>
+          <a:off x="4892029" y="1396781"/>
+          <a:ext cx="1523507" cy="1229796"/>
         </a:xfrm>
         <a:prstGeom prst="roundRect">
           <a:avLst>
@@ -3610,7 +3618,7 @@
             <a:alphaOff val="0"/>
           </a:schemeClr>
         </a:solidFill>
-        <a:ln w="15875" cap="flat" cmpd="sng" algn="ctr">
+        <a:ln w="19050" cap="flat" cmpd="sng" algn="ctr">
           <a:solidFill>
             <a:schemeClr val="lt1">
               <a:hueOff val="0"/>
@@ -3624,13 +3632,13 @@
         <a:effectLst/>
       </dsp:spPr>
       <dsp:style>
-        <a:lnRef idx="2">
+        <a:lnRef idx="3">
           <a:scrgbClr r="0" g="0" b="0"/>
         </a:lnRef>
         <a:fillRef idx="1">
           <a:scrgbClr r="0" g="0" b="0"/>
         </a:fillRef>
-        <a:effectRef idx="0">
+        <a:effectRef idx="1">
           <a:scrgbClr r="0" g="0" b="0"/>
         </a:effectRef>
         <a:fontRef idx="minor">
@@ -3638,12 +3646,12 @@
         </a:fontRef>
       </dsp:style>
       <dsp:txBody>
-        <a:bodyPr spcFirstLastPara="0" vert="horz" wrap="square" lIns="80010" tIns="80010" rIns="80010" bIns="80010" numCol="1" spcCol="1270" anchor="ctr" anchorCtr="0">
+        <a:bodyPr spcFirstLastPara="0" vert="horz" wrap="square" lIns="64770" tIns="64770" rIns="64770" bIns="64770" numCol="1" spcCol="1270" anchor="ctr" anchorCtr="0">
           <a:noAutofit/>
         </a:bodyPr>
         <a:lstStyle/>
         <a:p>
-          <a:pPr lvl="0" algn="ctr" defTabSz="933450" rtl="0">
+          <a:pPr lvl="0" algn="ctr" defTabSz="755650" rtl="0">
             <a:lnSpc>
               <a:spcPct val="90000"/>
             </a:lnSpc>
@@ -3655,26 +3663,26 @@
             </a:spcAft>
           </a:pPr>
           <a:r>
-            <a:rPr lang="es-ES" sz="2100" kern="1200" smtClean="0"/>
-            <a:t>Mantenimiento</a:t>
+            <a:rPr lang="es-ES" sz="1700" kern="1200" smtClean="0"/>
+            <a:t>Seguridad</a:t>
           </a:r>
-          <a:endParaRPr lang="es-AR" sz="2100" kern="1200"/>
+          <a:endParaRPr lang="es-AR" sz="1700" kern="1200"/>
         </a:p>
       </dsp:txBody>
       <dsp:txXfrm>
-        <a:off x="5928809" y="1432800"/>
-        <a:ext cx="1762340" cy="1157758"/>
+        <a:off x="4928048" y="1432800"/>
+        <a:ext cx="1451469" cy="1157758"/>
       </dsp:txXfrm>
     </dsp:sp>
-    <dsp:sp modelId="{F4C5E98E-1F07-49F2-8F1E-214B904109A8}">
+    <dsp:sp modelId="{417238FE-499D-498B-A36E-8268CC7FAEDE}">
       <dsp:nvSpPr>
         <dsp:cNvPr id="0" name=""/>
         <dsp:cNvSpPr/>
       </dsp:nvSpPr>
       <dsp:spPr>
         <a:xfrm>
-          <a:off x="7881257" y="1396781"/>
-          <a:ext cx="1834378" cy="1229796"/>
+          <a:off x="6543510" y="1396781"/>
+          <a:ext cx="1523507" cy="1229796"/>
         </a:xfrm>
         <a:prstGeom prst="roundRect">
           <a:avLst>
@@ -3689,7 +3697,7 @@
             <a:alphaOff val="0"/>
           </a:schemeClr>
         </a:solidFill>
-        <a:ln w="15875" cap="flat" cmpd="sng" algn="ctr">
+        <a:ln w="19050" cap="flat" cmpd="sng" algn="ctr">
           <a:solidFill>
             <a:schemeClr val="lt1">
               <a:hueOff val="0"/>
@@ -3703,13 +3711,13 @@
         <a:effectLst/>
       </dsp:spPr>
       <dsp:style>
-        <a:lnRef idx="2">
+        <a:lnRef idx="3">
           <a:scrgbClr r="0" g="0" b="0"/>
         </a:lnRef>
         <a:fillRef idx="1">
           <a:scrgbClr r="0" g="0" b="0"/>
         </a:fillRef>
-        <a:effectRef idx="0">
+        <a:effectRef idx="1">
           <a:scrgbClr r="0" g="0" b="0"/>
         </a:effectRef>
         <a:fontRef idx="minor">
@@ -3717,12 +3725,12 @@
         </a:fontRef>
       </dsp:style>
       <dsp:txBody>
-        <a:bodyPr spcFirstLastPara="0" vert="horz" wrap="square" lIns="80010" tIns="80010" rIns="80010" bIns="80010" numCol="1" spcCol="1270" anchor="ctr" anchorCtr="0">
+        <a:bodyPr spcFirstLastPara="0" vert="horz" wrap="square" lIns="64770" tIns="64770" rIns="64770" bIns="64770" numCol="1" spcCol="1270" anchor="ctr" anchorCtr="0">
           <a:noAutofit/>
         </a:bodyPr>
         <a:lstStyle/>
         <a:p>
-          <a:pPr lvl="0" algn="ctr" defTabSz="933450" rtl="0">
+          <a:pPr lvl="0" algn="ctr" defTabSz="755650" rtl="0">
             <a:lnSpc>
               <a:spcPct val="90000"/>
             </a:lnSpc>
@@ -3734,15 +3742,94 @@
             </a:spcAft>
           </a:pPr>
           <a:r>
-            <a:rPr lang="es-ES" sz="2100" kern="1200" smtClean="0"/>
-            <a:t>Higiene y Seguridad</a:t>
+            <a:rPr lang="es-ES" sz="1700" kern="1200" smtClean="0"/>
+            <a:t>Mantenimiento</a:t>
           </a:r>
-          <a:endParaRPr lang="es-AR" sz="2100" kern="1200"/>
+          <a:endParaRPr lang="es-AR" sz="1700" kern="1200"/>
         </a:p>
       </dsp:txBody>
       <dsp:txXfrm>
-        <a:off x="7917276" y="1432800"/>
-        <a:ext cx="1762340" cy="1157758"/>
+        <a:off x="6579529" y="1432800"/>
+        <a:ext cx="1451469" cy="1157758"/>
+      </dsp:txXfrm>
+    </dsp:sp>
+    <dsp:sp modelId="{6949F036-8C0B-4033-96A0-29D94C8FF386}">
+      <dsp:nvSpPr>
+        <dsp:cNvPr id="0" name=""/>
+        <dsp:cNvSpPr/>
+      </dsp:nvSpPr>
+      <dsp:spPr>
+        <a:xfrm>
+          <a:off x="8194992" y="1396781"/>
+          <a:ext cx="1523507" cy="1229796"/>
+        </a:xfrm>
+        <a:prstGeom prst="roundRect">
+          <a:avLst>
+            <a:gd name="adj" fmla="val 10000"/>
+          </a:avLst>
+        </a:prstGeom>
+        <a:solidFill>
+          <a:schemeClr val="accent6">
+            <a:hueOff val="0"/>
+            <a:satOff val="0"/>
+            <a:lumOff val="0"/>
+            <a:alphaOff val="0"/>
+          </a:schemeClr>
+        </a:solidFill>
+        <a:ln w="19050" cap="flat" cmpd="sng" algn="ctr">
+          <a:solidFill>
+            <a:schemeClr val="lt1">
+              <a:hueOff val="0"/>
+              <a:satOff val="0"/>
+              <a:lumOff val="0"/>
+              <a:alphaOff val="0"/>
+            </a:schemeClr>
+          </a:solidFill>
+          <a:prstDash val="solid"/>
+        </a:ln>
+        <a:effectLst/>
+      </dsp:spPr>
+      <dsp:style>
+        <a:lnRef idx="3">
+          <a:scrgbClr r="0" g="0" b="0"/>
+        </a:lnRef>
+        <a:fillRef idx="1">
+          <a:scrgbClr r="0" g="0" b="0"/>
+        </a:fillRef>
+        <a:effectRef idx="1">
+          <a:scrgbClr r="0" g="0" b="0"/>
+        </a:effectRef>
+        <a:fontRef idx="minor">
+          <a:schemeClr val="lt1"/>
+        </a:fontRef>
+      </dsp:style>
+      <dsp:txBody>
+        <a:bodyPr spcFirstLastPara="0" vert="horz" wrap="square" lIns="64770" tIns="64770" rIns="64770" bIns="64770" numCol="1" spcCol="1270" anchor="ctr" anchorCtr="0">
+          <a:noAutofit/>
+        </a:bodyPr>
+        <a:lstStyle/>
+        <a:p>
+          <a:pPr lvl="0" algn="ctr" defTabSz="755650" rtl="0">
+            <a:lnSpc>
+              <a:spcPct val="90000"/>
+            </a:lnSpc>
+            <a:spcBef>
+              <a:spcPct val="0"/>
+            </a:spcBef>
+            <a:spcAft>
+              <a:spcPct val="35000"/>
+            </a:spcAft>
+          </a:pPr>
+          <a:r>
+            <a:rPr lang="es-ES" sz="1700" kern="1200" smtClean="0"/>
+            <a:t>Higiene y Seguridad</a:t>
+          </a:r>
+          <a:endParaRPr lang="es-AR" sz="1700" kern="1200"/>
+        </a:p>
+      </dsp:txBody>
+      <dsp:txXfrm>
+        <a:off x="8231011" y="1432800"/>
+        <a:ext cx="1451469" cy="1157758"/>
       </dsp:txXfrm>
     </dsp:sp>
   </dsp:spTree>
@@ -5828,11 +5915,11 @@
 </file>
 
 <file path=ppt/diagrams/quickStyle2.xml><?xml version="1.0" encoding="utf-8"?>
-<dgm:styleDef xmlns:dgm="http://schemas.openxmlformats.org/drawingml/2006/diagram" xmlns:a="http://schemas.openxmlformats.org/drawingml/2006/main" uniqueId="urn:microsoft.com/office/officeart/2005/8/quickstyle/simple1">
+<dgm:styleDef xmlns:dgm="http://schemas.openxmlformats.org/drawingml/2006/diagram" xmlns:a="http://schemas.openxmlformats.org/drawingml/2006/main" uniqueId="urn:microsoft.com/office/officeart/2005/8/quickstyle/simple2">
   <dgm:title val=""/>
   <dgm:desc val=""/>
   <dgm:catLst>
-    <dgm:cat type="simple" pri="10100"/>
+    <dgm:cat type="simple" pri="10200"/>
   </dgm:catLst>
   <dgm:scene3d>
     <a:camera prst="orthographicFront"/>
@@ -5846,13 +5933,13 @@
     <dgm:sp3d/>
     <dgm:txPr/>
     <dgm:style>
-      <a:lnRef idx="2">
+      <a:lnRef idx="3">
         <a:scrgbClr r="0" g="0" b="0"/>
       </a:lnRef>
       <a:fillRef idx="1">
         <a:scrgbClr r="0" g="0" b="0"/>
       </a:fillRef>
-      <a:effectRef idx="0">
+      <a:effectRef idx="1">
         <a:scrgbClr r="0" g="0" b="0"/>
       </a:effectRef>
       <a:fontRef idx="minor">
@@ -5868,13 +5955,13 @@
     <dgm:sp3d/>
     <dgm:txPr/>
     <dgm:style>
-      <a:lnRef idx="2">
+      <a:lnRef idx="3">
         <a:scrgbClr r="0" g="0" b="0"/>
       </a:lnRef>
       <a:fillRef idx="1">
         <a:scrgbClr r="0" g="0" b="0"/>
       </a:fillRef>
-      <a:effectRef idx="0">
+      <a:effectRef idx="1">
         <a:scrgbClr r="0" g="0" b="0"/>
       </a:effectRef>
       <a:fontRef idx="minor">
@@ -5890,7 +5977,7 @@
     <dgm:sp3d/>
     <dgm:txPr/>
     <dgm:style>
-      <a:lnRef idx="2">
+      <a:lnRef idx="3">
         <a:scrgbClr r="0" g="0" b="0"/>
       </a:lnRef>
       <a:fillRef idx="1">
@@ -5918,7 +6005,7 @@
       <a:fillRef idx="1">
         <a:scrgbClr r="0" g="0" b="0"/>
       </a:fillRef>
-      <a:effectRef idx="0">
+      <a:effectRef idx="1">
         <a:scrgbClr r="0" g="0" b="0"/>
       </a:effectRef>
       <a:fontRef idx="minor">
@@ -5934,13 +6021,13 @@
     <dgm:sp3d/>
     <dgm:txPr/>
     <dgm:style>
-      <a:lnRef idx="2">
+      <a:lnRef idx="3">
         <a:scrgbClr r="0" g="0" b="0"/>
       </a:lnRef>
       <a:fillRef idx="1">
         <a:scrgbClr r="0" g="0" b="0"/>
       </a:fillRef>
-      <a:effectRef idx="0">
+      <a:effectRef idx="1">
         <a:scrgbClr r="0" g="0" b="0"/>
       </a:effectRef>
       <a:fontRef idx="minor">
@@ -5956,13 +6043,13 @@
     <dgm:sp3d/>
     <dgm:txPr/>
     <dgm:style>
-      <a:lnRef idx="2">
+      <a:lnRef idx="3">
         <a:scrgbClr r="0" g="0" b="0"/>
       </a:lnRef>
       <a:fillRef idx="1">
         <a:scrgbClr r="0" g="0" b="0"/>
       </a:fillRef>
-      <a:effectRef idx="0">
+      <a:effectRef idx="1">
         <a:scrgbClr r="0" g="0" b="0"/>
       </a:effectRef>
       <a:fontRef idx="minor">
@@ -5978,13 +6065,13 @@
     <dgm:sp3d/>
     <dgm:txPr/>
     <dgm:style>
-      <a:lnRef idx="2">
+      <a:lnRef idx="3">
         <a:scrgbClr r="0" g="0" b="0"/>
       </a:lnRef>
       <a:fillRef idx="1">
         <a:scrgbClr r="0" g="0" b="0"/>
       </a:fillRef>
-      <a:effectRef idx="0">
+      <a:effectRef idx="1">
         <a:scrgbClr r="0" g="0" b="0"/>
       </a:effectRef>
       <a:fontRef idx="minor">
@@ -6000,13 +6087,13 @@
     <dgm:sp3d/>
     <dgm:txPr/>
     <dgm:style>
-      <a:lnRef idx="2">
+      <a:lnRef idx="3">
         <a:scrgbClr r="0" g="0" b="0"/>
       </a:lnRef>
       <a:fillRef idx="1">
         <a:scrgbClr r="0" g="0" b="0"/>
       </a:fillRef>
-      <a:effectRef idx="0">
+      <a:effectRef idx="1">
         <a:scrgbClr r="0" g="0" b="0"/>
       </a:effectRef>
       <a:fontRef idx="minor">
@@ -6022,13 +6109,13 @@
     <dgm:sp3d/>
     <dgm:txPr/>
     <dgm:style>
-      <a:lnRef idx="2">
+      <a:lnRef idx="3">
         <a:scrgbClr r="0" g="0" b="0"/>
       </a:lnRef>
       <a:fillRef idx="1">
         <a:scrgbClr r="0" g="0" b="0"/>
       </a:fillRef>
-      <a:effectRef idx="0">
+      <a:effectRef idx="1">
         <a:scrgbClr r="0" g="0" b="0"/>
       </a:effectRef>
       <a:fontRef idx="minor"/>
@@ -6042,13 +6129,13 @@
     <dgm:sp3d/>
     <dgm:txPr/>
     <dgm:style>
-      <a:lnRef idx="2">
+      <a:lnRef idx="3">
         <a:scrgbClr r="0" g="0" b="0"/>
       </a:lnRef>
       <a:fillRef idx="1">
         <a:scrgbClr r="0" g="0" b="0"/>
       </a:fillRef>
-      <a:effectRef idx="0">
+      <a:effectRef idx="1">
         <a:scrgbClr r="0" g="0" b="0"/>
       </a:effectRef>
       <a:fontRef idx="minor"/>
@@ -6062,13 +6149,13 @@
     <dgm:sp3d/>
     <dgm:txPr/>
     <dgm:style>
-      <a:lnRef idx="2">
+      <a:lnRef idx="3">
         <a:scrgbClr r="0" g="0" b="0"/>
       </a:lnRef>
       <a:fillRef idx="1">
         <a:scrgbClr r="0" g="0" b="0"/>
       </a:fillRef>
-      <a:effectRef idx="0">
+      <a:effectRef idx="1">
         <a:scrgbClr r="0" g="0" b="0"/>
       </a:effectRef>
       <a:fontRef idx="minor"/>
@@ -6088,7 +6175,7 @@
       <a:fillRef idx="1">
         <a:scrgbClr r="0" g="0" b="0"/>
       </a:fillRef>
-      <a:effectRef idx="0">
+      <a:effectRef idx="1">
         <a:scrgbClr r="0" g="0" b="0"/>
       </a:effectRef>
       <a:fontRef idx="minor">
@@ -6110,7 +6197,7 @@
       <a:fillRef idx="1">
         <a:scrgbClr r="0" g="0" b="0"/>
       </a:fillRef>
-      <a:effectRef idx="0">
+      <a:effectRef idx="1">
         <a:scrgbClr r="0" g="0" b="0"/>
       </a:effectRef>
       <a:fontRef idx="minor">
@@ -6132,7 +6219,7 @@
       <a:fillRef idx="1">
         <a:scrgbClr r="0" g="0" b="0"/>
       </a:fillRef>
-      <a:effectRef idx="0">
+      <a:effectRef idx="1">
         <a:scrgbClr r="0" g="0" b="0"/>
       </a:effectRef>
       <a:fontRef idx="minor">
@@ -6174,7 +6261,7 @@
       <a:fillRef idx="1">
         <a:scrgbClr r="0" g="0" b="0"/>
       </a:fillRef>
-      <a:effectRef idx="0">
+      <a:effectRef idx="1">
         <a:scrgbClr r="0" g="0" b="0"/>
       </a:effectRef>
       <a:fontRef idx="minor"/>
@@ -6188,13 +6275,13 @@
     <dgm:sp3d/>
     <dgm:txPr/>
     <dgm:style>
-      <a:lnRef idx="2">
+      <a:lnRef idx="3">
         <a:scrgbClr r="0" g="0" b="0"/>
       </a:lnRef>
       <a:fillRef idx="1">
         <a:scrgbClr r="0" g="0" b="0"/>
       </a:fillRef>
-      <a:effectRef idx="0">
+      <a:effectRef idx="1">
         <a:scrgbClr r="0" g="0" b="0"/>
       </a:effectRef>
       <a:fontRef idx="minor">
@@ -6210,13 +6297,13 @@
     <dgm:sp3d/>
     <dgm:txPr/>
     <dgm:style>
-      <a:lnRef idx="2">
+      <a:lnRef idx="3">
         <a:scrgbClr r="0" g="0" b="0"/>
       </a:lnRef>
       <a:fillRef idx="1">
         <a:scrgbClr r="0" g="0" b="0"/>
       </a:fillRef>
-      <a:effectRef idx="0">
+      <a:effectRef idx="1">
         <a:scrgbClr r="0" g="0" b="0"/>
       </a:effectRef>
       <a:fontRef idx="minor">
@@ -6232,13 +6319,13 @@
     <dgm:sp3d/>
     <dgm:txPr/>
     <dgm:style>
-      <a:lnRef idx="2">
+      <a:lnRef idx="3">
         <a:scrgbClr r="0" g="0" b="0"/>
       </a:lnRef>
       <a:fillRef idx="1">
         <a:scrgbClr r="0" g="0" b="0"/>
       </a:fillRef>
-      <a:effectRef idx="0">
+      <a:effectRef idx="1">
         <a:scrgbClr r="0" g="0" b="0"/>
       </a:effectRef>
       <a:fontRef idx="minor">
@@ -6254,13 +6341,13 @@
     <dgm:sp3d/>
     <dgm:txPr/>
     <dgm:style>
-      <a:lnRef idx="2">
+      <a:lnRef idx="3">
         <a:scrgbClr r="0" g="0" b="0"/>
       </a:lnRef>
       <a:fillRef idx="1">
         <a:scrgbClr r="0" g="0" b="0"/>
       </a:fillRef>
-      <a:effectRef idx="0">
+      <a:effectRef idx="1">
         <a:scrgbClr r="0" g="0" b="0"/>
       </a:effectRef>
       <a:fontRef idx="minor">
@@ -6276,13 +6363,13 @@
     <dgm:sp3d/>
     <dgm:txPr/>
     <dgm:style>
-      <a:lnRef idx="2">
+      <a:lnRef idx="3">
         <a:scrgbClr r="0" g="0" b="0"/>
       </a:lnRef>
       <a:fillRef idx="1">
         <a:scrgbClr r="0" g="0" b="0"/>
       </a:fillRef>
-      <a:effectRef idx="0">
+      <a:effectRef idx="1">
         <a:scrgbClr r="0" g="0" b="0"/>
       </a:effectRef>
       <a:fontRef idx="minor">
@@ -6298,13 +6385,13 @@
     <dgm:sp3d/>
     <dgm:txPr/>
     <dgm:style>
-      <a:lnRef idx="2">
+      <a:lnRef idx="3">
         <a:scrgbClr r="0" g="0" b="0"/>
       </a:lnRef>
       <a:fillRef idx="1">
         <a:scrgbClr r="0" g="0" b="0"/>
       </a:fillRef>
-      <a:effectRef idx="0">
+      <a:effectRef idx="1">
         <a:scrgbClr r="0" g="0" b="0"/>
       </a:effectRef>
       <a:fontRef idx="minor">
@@ -6320,13 +6407,13 @@
     <dgm:sp3d/>
     <dgm:txPr/>
     <dgm:style>
-      <a:lnRef idx="2">
+      <a:lnRef idx="3">
         <a:scrgbClr r="0" g="0" b="0"/>
       </a:lnRef>
       <a:fillRef idx="1">
         <a:scrgbClr r="0" g="0" b="0"/>
       </a:fillRef>
-      <a:effectRef idx="0">
+      <a:effectRef idx="1">
         <a:scrgbClr r="0" g="0" b="0"/>
       </a:effectRef>
       <a:fontRef idx="minor">
@@ -6342,13 +6429,13 @@
     <dgm:sp3d/>
     <dgm:txPr/>
     <dgm:style>
-      <a:lnRef idx="2">
+      <a:lnRef idx="3">
         <a:scrgbClr r="0" g="0" b="0"/>
       </a:lnRef>
       <a:fillRef idx="1">
         <a:scrgbClr r="0" g="0" b="0"/>
       </a:fillRef>
-      <a:effectRef idx="0">
+      <a:effectRef idx="1">
         <a:scrgbClr r="0" g="0" b="0"/>
       </a:effectRef>
       <a:fontRef idx="minor">
@@ -6364,13 +6451,13 @@
     <dgm:sp3d/>
     <dgm:txPr/>
     <dgm:style>
-      <a:lnRef idx="2">
+      <a:lnRef idx="3">
         <a:scrgbClr r="0" g="0" b="0"/>
       </a:lnRef>
       <a:fillRef idx="1">
         <a:scrgbClr r="0" g="0" b="0"/>
       </a:fillRef>
-      <a:effectRef idx="0">
+      <a:effectRef idx="1">
         <a:scrgbClr r="0" g="0" b="0"/>
       </a:effectRef>
       <a:fontRef idx="minor">
@@ -6826,13 +6913,13 @@
     <dgm:sp3d/>
     <dgm:txPr/>
     <dgm:style>
-      <a:lnRef idx="2">
+      <a:lnRef idx="3">
         <a:scrgbClr r="0" g="0" b="0"/>
       </a:lnRef>
       <a:fillRef idx="1">
         <a:scrgbClr r="0" g="0" b="0"/>
       </a:fillRef>
-      <a:effectRef idx="0">
+      <a:effectRef idx="1">
         <a:scrgbClr r="0" g="0" b="0"/>
       </a:effectRef>
       <a:fontRef idx="minor"/>
@@ -7052,7 +7139,7 @@
             <a:fld id="{96DFF08F-DC6B-4601-B491-B0F83F6DD2DA}" type="datetimeFigureOut">
               <a:rPr lang="en-US" dirty="0"/>
               <a:pPr/>
-              <a:t>4/5/2016</a:t>
+              <a:t>4/20/2016</a:t>
             </a:fld>
             <a:endParaRPr lang="en-US" dirty="0"/>
           </a:p>
@@ -7252,7 +7339,7 @@
           <a:p>
             <a:fld id="{96DFF08F-DC6B-4601-B491-B0F83F6DD2DA}" type="datetimeFigureOut">
               <a:rPr lang="en-US" dirty="0"/>
-              <a:t>4/5/2016</a:t>
+              <a:t>4/20/2016</a:t>
             </a:fld>
             <a:endParaRPr lang="en-US" dirty="0"/>
           </a:p>
@@ -7427,7 +7514,7 @@
           <a:p>
             <a:fld id="{96DFF08F-DC6B-4601-B491-B0F83F6DD2DA}" type="datetimeFigureOut">
               <a:rPr lang="en-US" dirty="0"/>
-              <a:t>4/5/2016</a:t>
+              <a:t>4/20/2016</a:t>
             </a:fld>
             <a:endParaRPr lang="en-US" dirty="0"/>
           </a:p>
@@ -7627,7 +7714,7 @@
           <a:p>
             <a:fld id="{96DFF08F-DC6B-4601-B491-B0F83F6DD2DA}" type="datetimeFigureOut">
               <a:rPr lang="en-US" dirty="0"/>
-              <a:t>4/5/2016</a:t>
+              <a:t>4/20/2016</a:t>
             </a:fld>
             <a:endParaRPr lang="en-US" dirty="0"/>
           </a:p>
@@ -7917,7 +8004,7 @@
           <a:p>
             <a:fld id="{96DFF08F-DC6B-4601-B491-B0F83F6DD2DA}" type="datetimeFigureOut">
               <a:rPr lang="en-US" dirty="0"/>
-              <a:t>4/5/2016</a:t>
+              <a:t>4/20/2016</a:t>
             </a:fld>
             <a:endParaRPr lang="en-US" dirty="0"/>
           </a:p>
@@ -8184,7 +8271,7 @@
           <a:p>
             <a:fld id="{96DFF08F-DC6B-4601-B491-B0F83F6DD2DA}" type="datetimeFigureOut">
               <a:rPr lang="en-US" dirty="0"/>
-              <a:t>4/5/2016</a:t>
+              <a:t>4/20/2016</a:t>
             </a:fld>
             <a:endParaRPr lang="en-US" dirty="0"/>
           </a:p>
@@ -8586,7 +8673,7 @@
           <a:p>
             <a:fld id="{96DFF08F-DC6B-4601-B491-B0F83F6DD2DA}" type="datetimeFigureOut">
               <a:rPr lang="en-US" dirty="0"/>
-              <a:t>4/5/2016</a:t>
+              <a:t>4/20/2016</a:t>
             </a:fld>
             <a:endParaRPr lang="en-US" dirty="0"/>
           </a:p>
@@ -8699,7 +8786,7 @@
           <a:p>
             <a:fld id="{96DFF08F-DC6B-4601-B491-B0F83F6DD2DA}" type="datetimeFigureOut">
               <a:rPr lang="en-US" dirty="0"/>
-              <a:t>4/5/2016</a:t>
+              <a:t>4/20/2016</a:t>
             </a:fld>
             <a:endParaRPr lang="en-US" dirty="0"/>
           </a:p>
@@ -8789,7 +8876,7 @@
           <a:p>
             <a:fld id="{96DFF08F-DC6B-4601-B491-B0F83F6DD2DA}" type="datetimeFigureOut">
               <a:rPr lang="en-US" dirty="0"/>
-              <a:t>4/5/2016</a:t>
+              <a:t>4/20/2016</a:t>
             </a:fld>
             <a:endParaRPr lang="en-US" dirty="0"/>
           </a:p>
@@ -9074,7 +9161,7 @@
           <a:p>
             <a:fld id="{96DFF08F-DC6B-4601-B491-B0F83F6DD2DA}" type="datetimeFigureOut">
               <a:rPr lang="en-US" dirty="0"/>
-              <a:t>4/5/2016</a:t>
+              <a:t>4/20/2016</a:t>
             </a:fld>
             <a:endParaRPr lang="en-US" dirty="0"/>
           </a:p>
@@ -9349,7 +9436,7 @@
           <a:p>
             <a:fld id="{C7616CA0-919D-4A49-9C8A-62FDFB3A5183}" type="datetimeFigureOut">
               <a:rPr lang="en-US" dirty="0"/>
-              <a:t>4/5/2016</a:t>
+              <a:t>4/20/2016</a:t>
             </a:fld>
             <a:endParaRPr lang="en-US" dirty="0"/>
           </a:p>
@@ -9595,7 +9682,7 @@
             <a:fld id="{96DFF08F-DC6B-4601-B491-B0F83F6DD2DA}" type="datetimeFigureOut">
               <a:rPr lang="en-US" dirty="0"/>
               <a:pPr/>
-              <a:t>4/5/2016</a:t>
+              <a:t>4/20/2016</a:t>
             </a:fld>
             <a:endParaRPr lang="en-US" dirty="0"/>
           </a:p>
@@ -10836,15 +10923,7 @@
                       </a:r>
                       <a:r>
                         <a:rPr lang="es-ES" sz="1100" baseline="0" dirty="0" smtClean="0"/>
-                        <a:t>, emails externos e internos del área, </a:t>
-                      </a:r>
-                      <a:r>
-                        <a:rPr lang="es-ES" sz="1100" baseline="0" dirty="0" smtClean="0"/>
-                        <a:t>atención </a:t>
-                      </a:r>
-                      <a:r>
-                        <a:rPr lang="es-ES" sz="1100" baseline="0" dirty="0" smtClean="0"/>
-                        <a:t>persona, etc.</a:t>
+                        <a:t>, emails externos e internos del área, atención persona, etc.</a:t>
                       </a:r>
                       <a:endParaRPr lang="es-AR" sz="1100" dirty="0" smtClean="0"/>
                     </a:p>
@@ -10965,15 +11044,7 @@
                     <a:p>
                       <a:r>
                         <a:rPr lang="es-ES" sz="1100" baseline="0" dirty="0" smtClean="0"/>
-                        <a:t>-Desarrollo, </a:t>
-                      </a:r>
-                      <a:r>
-                        <a:rPr lang="es-ES" sz="1100" baseline="0" dirty="0" smtClean="0"/>
-                        <a:t>programación </a:t>
-                      </a:r>
-                      <a:r>
-                        <a:rPr lang="es-ES" sz="1100" baseline="0" dirty="0" smtClean="0"/>
-                        <a:t>y mantenimiento de softwares del área.</a:t>
+                        <a:t>-Desarrollo, programación y mantenimiento de softwares del área.</a:t>
                       </a:r>
                     </a:p>
                   </a:txBody>
@@ -11100,11 +11171,7 @@
                       </a:r>
                       <a:r>
                         <a:rPr lang="es-ES" sz="1100" baseline="0" dirty="0" smtClean="0"/>
-                        <a:t>. </a:t>
-                      </a:r>
-                      <a:r>
-                        <a:rPr lang="es-ES" sz="1100" baseline="0" dirty="0" smtClean="0"/>
-                        <a:t>vallas y cartelería, </a:t>
+                        <a:t>. vallas y cartelería, </a:t>
                       </a:r>
                       <a:r>
                         <a:rPr lang="es-ES" sz="1100" baseline="0" dirty="0" err="1" smtClean="0"/>
@@ -11112,27 +11179,7 @@
                       </a:r>
                       <a:r>
                         <a:rPr lang="es-ES" sz="1100" baseline="0" dirty="0" smtClean="0"/>
-                        <a:t>. </a:t>
-                      </a:r>
-                      <a:r>
-                        <a:rPr lang="es-ES" sz="1100" baseline="0" dirty="0" smtClean="0"/>
-                        <a:t>mobiliario, </a:t>
-                      </a:r>
-                      <a:r>
-                        <a:rPr lang="es-ES" sz="1100" baseline="0" dirty="0" smtClean="0"/>
-                        <a:t>apertura de ventanas</a:t>
-                      </a:r>
-                      <a:r>
-                        <a:rPr lang="es-ES" sz="1100" baseline="0" dirty="0" smtClean="0"/>
-                        <a:t>, regados, cortado de </a:t>
-                      </a:r>
-                      <a:r>
-                        <a:rPr lang="es-ES" sz="1100" baseline="0" dirty="0" smtClean="0"/>
-                        <a:t>césped, </a:t>
-                      </a:r>
-                      <a:r>
-                        <a:rPr lang="es-ES" sz="1100" baseline="0" dirty="0" smtClean="0"/>
-                        <a:t>etc.</a:t>
+                        <a:t>. mobiliario, apertura de ventanas, regados, cortado de césped, etc.</a:t>
                       </a:r>
                       <a:endParaRPr lang="es-AR" sz="1100" dirty="0" smtClean="0"/>
                     </a:p>
@@ -11315,7 +11362,7 @@
       </p:sp>
       <p:graphicFrame>
         <p:nvGraphicFramePr>
-          <p:cNvPr id="4" name="Marcador de contenido 3"/>
+          <p:cNvPr id="5" name="Marcador de contenido 4"/>
           <p:cNvGraphicFramePr>
             <a:graphicFrameLocks noGrp="1"/>
           </p:cNvGraphicFramePr>
@@ -11323,7 +11370,7 @@
             <p:ph idx="1"/>
             <p:extLst>
               <p:ext uri="{D42A27DB-BD31-4B8C-83A1-F6EECF244321}">
-                <p14:modId xmlns:p14="http://schemas.microsoft.com/office/powerpoint/2010/main" val="3232890725"/>
+                <p14:modId xmlns:p14="http://schemas.microsoft.com/office/powerpoint/2010/main" val="3156125827"/>
               </p:ext>
             </p:extLst>
           </p:nvPr>
@@ -11852,15 +11899,7 @@
                       </a:r>
                       <a:r>
                         <a:rPr lang="es-ES" sz="1050" baseline="0" dirty="0" smtClean="0"/>
-                        <a:t>, </a:t>
-                      </a:r>
-                      <a:r>
-                        <a:rPr lang="es-ES" sz="1050" baseline="0" dirty="0" smtClean="0"/>
-                        <a:t>telefonía </a:t>
-                      </a:r>
-                      <a:r>
-                        <a:rPr lang="es-ES" sz="1050" baseline="0" dirty="0" smtClean="0"/>
-                        <a:t>celular, etc)</a:t>
+                        <a:t>, telefonía celular, etc)</a:t>
                       </a:r>
                       <a:endParaRPr lang="es-ES" sz="1050" dirty="0" smtClean="0"/>
                     </a:p>
